--- a/NestNet.pptx
+++ b/NestNet.pptx
@@ -12,6 +12,7 @@
     <p:sldId id="273" r:id="rId6"/>
     <p:sldId id="272" r:id="rId7"/>
     <p:sldId id="271" r:id="rId8"/>
+    <p:sldId id="279" r:id="rId9"/>
   </p:sldIdLst>
   <p:sldSz cx="12192000" cy="6858000"/>
   <p:notesSz cx="6858000" cy="9144000"/>
@@ -6283,6 +6284,149 @@
     <p:extLst>
       <p:ext uri="{BB962C8B-B14F-4D97-AF65-F5344CB8AC3E}">
         <p14:creationId xmlns:p14="http://schemas.microsoft.com/office/powerpoint/2010/main" val="1918943090"/>
+      </p:ext>
+    </p:extLst>
+  </p:cSld>
+  <p:clrMapOvr>
+    <a:masterClrMapping/>
+  </p:clrMapOvr>
+</p:sld>
+</file>
+
+<file path=ppt/slides/slide8.xml><?xml version="1.0" encoding="utf-8"?>
+<p:sld xmlns:a="http://schemas.openxmlformats.org/drawingml/2006/main" xmlns:r="http://schemas.openxmlformats.org/officeDocument/2006/relationships" xmlns:p="http://schemas.openxmlformats.org/presentationml/2006/main">
+  <p:cSld>
+    <p:spTree>
+      <p:nvGrpSpPr>
+        <p:cNvPr id="1" name=""/>
+        <p:cNvGrpSpPr/>
+        <p:nvPr/>
+      </p:nvGrpSpPr>
+      <p:grpSpPr>
+        <a:xfrm>
+          <a:off x="0" y="0"/>
+          <a:ext cx="0" cy="0"/>
+          <a:chOff x="0" y="0"/>
+          <a:chExt cx="0" cy="0"/>
+        </a:xfrm>
+      </p:grpSpPr>
+      <p:sp>
+        <p:nvSpPr>
+          <p:cNvPr id="2" name="Title 1">
+            <a:extLst>
+              <a:ext uri="{FF2B5EF4-FFF2-40B4-BE49-F238E27FC236}">
+                <a16:creationId xmlns:a16="http://schemas.microsoft.com/office/drawing/2014/main" id="{CF37BD3D-01DB-7F31-A826-870FF4D8CFAF}"/>
+              </a:ext>
+            </a:extLst>
+          </p:cNvPr>
+          <p:cNvSpPr>
+            <a:spLocks noGrp="1"/>
+          </p:cNvSpPr>
+          <p:nvPr>
+            <p:ph type="title"/>
+          </p:nvPr>
+        </p:nvSpPr>
+        <p:spPr/>
+        <p:txBody>
+          <a:bodyPr/>
+          <a:lstStyle/>
+          <a:p>
+            <a:r>
+              <a:rPr lang="en-US" dirty="0"/>
+              <a:t>Links</a:t>
+            </a:r>
+            <a:endParaRPr lang="en-IL" dirty="0"/>
+          </a:p>
+        </p:txBody>
+      </p:sp>
+      <p:sp>
+        <p:nvSpPr>
+          <p:cNvPr id="3" name="Content Placeholder 2">
+            <a:extLst>
+              <a:ext uri="{FF2B5EF4-FFF2-40B4-BE49-F238E27FC236}">
+                <a16:creationId xmlns:a16="http://schemas.microsoft.com/office/drawing/2014/main" id="{486E0DB2-9A01-041B-027D-CD300A69B3E2}"/>
+              </a:ext>
+            </a:extLst>
+          </p:cNvPr>
+          <p:cNvSpPr>
+            <a:spLocks noGrp="1"/>
+          </p:cNvSpPr>
+          <p:nvPr>
+            <p:ph idx="1"/>
+          </p:nvPr>
+        </p:nvSpPr>
+        <p:spPr/>
+        <p:txBody>
+          <a:bodyPr/>
+          <a:lstStyle/>
+          <a:p>
+            <a:r>
+              <a:rPr lang="en-US" dirty="0" err="1"/>
+              <a:t>Gethub</a:t>
+            </a:r>
+            <a:r>
+              <a:rPr lang="en-US" dirty="0"/>
+              <a:t>:</a:t>
+            </a:r>
+          </a:p>
+          <a:p>
+            <a:pPr lvl="1"/>
+            <a:r>
+              <a:rPr lang="en-US" dirty="0" err="1"/>
+              <a:t>NestNet</a:t>
+            </a:r>
+            <a:r>
+              <a:rPr lang="en-US" dirty="0"/>
+              <a:t> root: </a:t>
+            </a:r>
+            <a:r>
+              <a:rPr lang="en-US" dirty="0">
+                <a:hlinkClick r:id="rId2"/>
+              </a:rPr>
+              <a:t>https://github.com/choresh/nestnet</a:t>
+            </a:r>
+            <a:endParaRPr lang="en-US" dirty="0"/>
+          </a:p>
+          <a:p>
+            <a:pPr lvl="1"/>
+            <a:r>
+              <a:rPr lang="en-US" dirty="0"/>
+              <a:t>Generated app readme: </a:t>
+            </a:r>
+            <a:r>
+              <a:rPr lang="en-US" dirty="0">
+                <a:hlinkClick r:id="rId3"/>
+              </a:rPr>
+              <a:t>https://github.com/choresh/nestnet/tree/main/NestNet.Cli/NestNet.Cli/Data/Templates/Doc</a:t>
+            </a:r>
+            <a:endParaRPr lang="en-US" dirty="0"/>
+          </a:p>
+          <a:p>
+            <a:pPr lvl="1"/>
+            <a:r>
+              <a:rPr lang="en-US" dirty="0"/>
+              <a:t>CLI readme: </a:t>
+            </a:r>
+            <a:r>
+              <a:rPr lang="en-US" dirty="0">
+                <a:hlinkClick r:id="rId4"/>
+              </a:rPr>
+              <a:t>https://github.com/choresh/nestnet/blob/main/NestNet.Cli/NestNet.Cli/README.md</a:t>
+            </a:r>
+            <a:endParaRPr lang="en-US" dirty="0"/>
+          </a:p>
+          <a:p>
+            <a:pPr marL="0" indent="0">
+              <a:buNone/>
+            </a:pPr>
+            <a:endParaRPr lang="en-IL" dirty="0"/>
+          </a:p>
+        </p:txBody>
+      </p:sp>
+    </p:spTree>
+    <p:extLst>
+      <p:ext uri="{BB962C8B-B14F-4D97-AF65-F5344CB8AC3E}">
+        <p14:creationId xmlns:p14="http://schemas.microsoft.com/office/powerpoint/2010/main" val="2235244640"/>
       </p:ext>
     </p:extLst>
   </p:cSld>

--- a/NestNet.pptx
+++ b/NestNet.pptx
@@ -268,7 +268,7 @@
           <a:p>
             <a:fld id="{9E14FA7F-4ABB-408A-AF0C-ED7DC017B082}" type="datetimeFigureOut">
               <a:rPr lang="en-IL" smtClean="0"/>
-              <a:t>15/12/2024</a:t>
+              <a:t>17/12/2024</a:t>
             </a:fld>
             <a:endParaRPr lang="en-IL"/>
           </a:p>
@@ -468,7 +468,7 @@
           <a:p>
             <a:fld id="{9E14FA7F-4ABB-408A-AF0C-ED7DC017B082}" type="datetimeFigureOut">
               <a:rPr lang="en-IL" smtClean="0"/>
-              <a:t>15/12/2024</a:t>
+              <a:t>17/12/2024</a:t>
             </a:fld>
             <a:endParaRPr lang="en-IL"/>
           </a:p>
@@ -678,7 +678,7 @@
           <a:p>
             <a:fld id="{9E14FA7F-4ABB-408A-AF0C-ED7DC017B082}" type="datetimeFigureOut">
               <a:rPr lang="en-IL" smtClean="0"/>
-              <a:t>15/12/2024</a:t>
+              <a:t>17/12/2024</a:t>
             </a:fld>
             <a:endParaRPr lang="en-IL"/>
           </a:p>
@@ -878,7 +878,7 @@
           <a:p>
             <a:fld id="{9E14FA7F-4ABB-408A-AF0C-ED7DC017B082}" type="datetimeFigureOut">
               <a:rPr lang="en-IL" smtClean="0"/>
-              <a:t>15/12/2024</a:t>
+              <a:t>17/12/2024</a:t>
             </a:fld>
             <a:endParaRPr lang="en-IL"/>
           </a:p>
@@ -1154,7 +1154,7 @@
           <a:p>
             <a:fld id="{9E14FA7F-4ABB-408A-AF0C-ED7DC017B082}" type="datetimeFigureOut">
               <a:rPr lang="en-IL" smtClean="0"/>
-              <a:t>15/12/2024</a:t>
+              <a:t>17/12/2024</a:t>
             </a:fld>
             <a:endParaRPr lang="en-IL"/>
           </a:p>
@@ -1422,7 +1422,7 @@
           <a:p>
             <a:fld id="{9E14FA7F-4ABB-408A-AF0C-ED7DC017B082}" type="datetimeFigureOut">
               <a:rPr lang="en-IL" smtClean="0"/>
-              <a:t>15/12/2024</a:t>
+              <a:t>17/12/2024</a:t>
             </a:fld>
             <a:endParaRPr lang="en-IL"/>
           </a:p>
@@ -1837,7 +1837,7 @@
           <a:p>
             <a:fld id="{9E14FA7F-4ABB-408A-AF0C-ED7DC017B082}" type="datetimeFigureOut">
               <a:rPr lang="en-IL" smtClean="0"/>
-              <a:t>15/12/2024</a:t>
+              <a:t>17/12/2024</a:t>
             </a:fld>
             <a:endParaRPr lang="en-IL"/>
           </a:p>
@@ -1979,7 +1979,7 @@
           <a:p>
             <a:fld id="{9E14FA7F-4ABB-408A-AF0C-ED7DC017B082}" type="datetimeFigureOut">
               <a:rPr lang="en-IL" smtClean="0"/>
-              <a:t>15/12/2024</a:t>
+              <a:t>17/12/2024</a:t>
             </a:fld>
             <a:endParaRPr lang="en-IL"/>
           </a:p>
@@ -2092,7 +2092,7 @@
           <a:p>
             <a:fld id="{9E14FA7F-4ABB-408A-AF0C-ED7DC017B082}" type="datetimeFigureOut">
               <a:rPr lang="en-IL" smtClean="0"/>
-              <a:t>15/12/2024</a:t>
+              <a:t>17/12/2024</a:t>
             </a:fld>
             <a:endParaRPr lang="en-IL"/>
           </a:p>
@@ -2405,7 +2405,7 @@
           <a:p>
             <a:fld id="{9E14FA7F-4ABB-408A-AF0C-ED7DC017B082}" type="datetimeFigureOut">
               <a:rPr lang="en-IL" smtClean="0"/>
-              <a:t>15/12/2024</a:t>
+              <a:t>17/12/2024</a:t>
             </a:fld>
             <a:endParaRPr lang="en-IL"/>
           </a:p>
@@ -2694,7 +2694,7 @@
           <a:p>
             <a:fld id="{9E14FA7F-4ABB-408A-AF0C-ED7DC017B082}" type="datetimeFigureOut">
               <a:rPr lang="en-IL" smtClean="0"/>
-              <a:t>15/12/2024</a:t>
+              <a:t>17/12/2024</a:t>
             </a:fld>
             <a:endParaRPr lang="en-IL"/>
           </a:p>
@@ -2937,7 +2937,7 @@
           <a:p>
             <a:fld id="{9E14FA7F-4ABB-408A-AF0C-ED7DC017B082}" type="datetimeFigureOut">
               <a:rPr lang="en-IL" smtClean="0"/>
-              <a:t>15/12/2024</a:t>
+              <a:t>17/12/2024</a:t>
             </a:fld>
             <a:endParaRPr lang="en-IL"/>
           </a:p>
@@ -6361,8 +6361,8 @@
           <a:lstStyle/>
           <a:p>
             <a:r>
-              <a:rPr lang="en-US" dirty="0" err="1"/>
-              <a:t>Gethub</a:t>
+              <a:rPr lang="en-US"/>
+              <a:t>Github</a:t>
             </a:r>
             <a:r>
               <a:rPr lang="en-US" dirty="0"/>

--- a/NestNet.pptx
+++ b/NestNet.pptx
@@ -6252,7 +6252,7 @@
             <a:pPr lvl="1"/>
             <a:r>
               <a:rPr lang="en-US" dirty="0"/>
-              <a:t>Build in standard REST responses</a:t>
+              <a:t>Build-in standard REST responses</a:t>
             </a:r>
           </a:p>
           <a:p>

--- a/NestNet.pptx
+++ b/NestNet.pptx
@@ -268,7 +268,7 @@
           <a:p>
             <a:fld id="{9E14FA7F-4ABB-408A-AF0C-ED7DC017B082}" type="datetimeFigureOut">
               <a:rPr lang="en-IL" smtClean="0"/>
-              <a:t>17/12/2024</a:t>
+              <a:t>10/02/2025</a:t>
             </a:fld>
             <a:endParaRPr lang="en-IL"/>
           </a:p>
@@ -468,7 +468,7 @@
           <a:p>
             <a:fld id="{9E14FA7F-4ABB-408A-AF0C-ED7DC017B082}" type="datetimeFigureOut">
               <a:rPr lang="en-IL" smtClean="0"/>
-              <a:t>17/12/2024</a:t>
+              <a:t>10/02/2025</a:t>
             </a:fld>
             <a:endParaRPr lang="en-IL"/>
           </a:p>
@@ -678,7 +678,7 @@
           <a:p>
             <a:fld id="{9E14FA7F-4ABB-408A-AF0C-ED7DC017B082}" type="datetimeFigureOut">
               <a:rPr lang="en-IL" smtClean="0"/>
-              <a:t>17/12/2024</a:t>
+              <a:t>10/02/2025</a:t>
             </a:fld>
             <a:endParaRPr lang="en-IL"/>
           </a:p>
@@ -878,7 +878,7 @@
           <a:p>
             <a:fld id="{9E14FA7F-4ABB-408A-AF0C-ED7DC017B082}" type="datetimeFigureOut">
               <a:rPr lang="en-IL" smtClean="0"/>
-              <a:t>17/12/2024</a:t>
+              <a:t>10/02/2025</a:t>
             </a:fld>
             <a:endParaRPr lang="en-IL"/>
           </a:p>
@@ -1154,7 +1154,7 @@
           <a:p>
             <a:fld id="{9E14FA7F-4ABB-408A-AF0C-ED7DC017B082}" type="datetimeFigureOut">
               <a:rPr lang="en-IL" smtClean="0"/>
-              <a:t>17/12/2024</a:t>
+              <a:t>10/02/2025</a:t>
             </a:fld>
             <a:endParaRPr lang="en-IL"/>
           </a:p>
@@ -1422,7 +1422,7 @@
           <a:p>
             <a:fld id="{9E14FA7F-4ABB-408A-AF0C-ED7DC017B082}" type="datetimeFigureOut">
               <a:rPr lang="en-IL" smtClean="0"/>
-              <a:t>17/12/2024</a:t>
+              <a:t>10/02/2025</a:t>
             </a:fld>
             <a:endParaRPr lang="en-IL"/>
           </a:p>
@@ -1837,7 +1837,7 @@
           <a:p>
             <a:fld id="{9E14FA7F-4ABB-408A-AF0C-ED7DC017B082}" type="datetimeFigureOut">
               <a:rPr lang="en-IL" smtClean="0"/>
-              <a:t>17/12/2024</a:t>
+              <a:t>10/02/2025</a:t>
             </a:fld>
             <a:endParaRPr lang="en-IL"/>
           </a:p>
@@ -1979,7 +1979,7 @@
           <a:p>
             <a:fld id="{9E14FA7F-4ABB-408A-AF0C-ED7DC017B082}" type="datetimeFigureOut">
               <a:rPr lang="en-IL" smtClean="0"/>
-              <a:t>17/12/2024</a:t>
+              <a:t>10/02/2025</a:t>
             </a:fld>
             <a:endParaRPr lang="en-IL"/>
           </a:p>
@@ -2092,7 +2092,7 @@
           <a:p>
             <a:fld id="{9E14FA7F-4ABB-408A-AF0C-ED7DC017B082}" type="datetimeFigureOut">
               <a:rPr lang="en-IL" smtClean="0"/>
-              <a:t>17/12/2024</a:t>
+              <a:t>10/02/2025</a:t>
             </a:fld>
             <a:endParaRPr lang="en-IL"/>
           </a:p>
@@ -2405,7 +2405,7 @@
           <a:p>
             <a:fld id="{9E14FA7F-4ABB-408A-AF0C-ED7DC017B082}" type="datetimeFigureOut">
               <a:rPr lang="en-IL" smtClean="0"/>
-              <a:t>17/12/2024</a:t>
+              <a:t>10/02/2025</a:t>
             </a:fld>
             <a:endParaRPr lang="en-IL"/>
           </a:p>
@@ -2694,7 +2694,7 @@
           <a:p>
             <a:fld id="{9E14FA7F-4ABB-408A-AF0C-ED7DC017B082}" type="datetimeFigureOut">
               <a:rPr lang="en-IL" smtClean="0"/>
-              <a:t>17/12/2024</a:t>
+              <a:t>10/02/2025</a:t>
             </a:fld>
             <a:endParaRPr lang="en-IL"/>
           </a:p>
@@ -2937,7 +2937,7 @@
           <a:p>
             <a:fld id="{9E14FA7F-4ABB-408A-AF0C-ED7DC017B082}" type="datetimeFigureOut">
               <a:rPr lang="en-IL" smtClean="0"/>
-              <a:t>17/12/2024</a:t>
+              <a:t>10/02/2025</a:t>
             </a:fld>
             <a:endParaRPr lang="en-IL"/>
           </a:p>
@@ -4153,12 +4153,8 @@
           <a:lstStyle/>
           <a:p>
             <a:r>
-              <a:rPr lang="en-US" dirty="0" err="1"/>
-              <a:t>NestNet</a:t>
-            </a:r>
-            <a:r>
               <a:rPr lang="en-US" dirty="0"/>
-              <a:t> App Structure</a:t>
+              <a:t>App Structure</a:t>
             </a:r>
             <a:endParaRPr lang="en-IL" dirty="0"/>
           </a:p>
@@ -4208,8 +4204,8 @@
         </p:nvSpPr>
         <p:spPr>
           <a:xfrm>
-            <a:off x="5322498" y="1992701"/>
-            <a:ext cx="4971864" cy="4184261"/>
+            <a:off x="4307840" y="2058843"/>
+            <a:ext cx="7045960" cy="4184261"/>
           </a:xfrm>
           <a:prstGeom prst="rect">
             <a:avLst/>
@@ -4260,8 +4256,8 @@
         </p:nvSpPr>
         <p:spPr>
           <a:xfrm>
-            <a:off x="1026543" y="2326261"/>
-            <a:ext cx="3833020" cy="741872"/>
+            <a:off x="1026544" y="2524665"/>
+            <a:ext cx="2925695" cy="741872"/>
           </a:xfrm>
           <a:prstGeom prst="rect">
             <a:avLst/>
@@ -4299,7 +4295,7 @@
                   <a:schemeClr val="tx1"/>
                 </a:solidFill>
               </a:rPr>
-              <a:t>API Layer (Controller)</a:t>
+              <a:t>API Layer (Controller/Consumer)</a:t>
             </a:r>
             <a:endParaRPr lang="en-IL" dirty="0">
               <a:solidFill>
@@ -4323,8 +4319,8 @@
         </p:nvSpPr>
         <p:spPr>
           <a:xfrm>
-            <a:off x="1026543" y="3609193"/>
-            <a:ext cx="3769558" cy="741872"/>
+            <a:off x="1026544" y="3807597"/>
+            <a:ext cx="2925695" cy="741872"/>
           </a:xfrm>
           <a:prstGeom prst="rect">
             <a:avLst/>
@@ -4362,7 +4358,7 @@
                   <a:schemeClr val="tx1"/>
                 </a:solidFill>
               </a:rPr>
-              <a:t>Business Layer (Service)</a:t>
+              <a:t>Business Layer (Services)</a:t>
             </a:r>
             <a:endParaRPr lang="en-IL" dirty="0">
               <a:solidFill>
@@ -4386,8 +4382,8 @@
         </p:nvSpPr>
         <p:spPr>
           <a:xfrm>
-            <a:off x="1026543" y="4874977"/>
-            <a:ext cx="3769558" cy="741872"/>
+            <a:off x="1026544" y="5073381"/>
+            <a:ext cx="3017135" cy="741872"/>
           </a:xfrm>
           <a:prstGeom prst="rect">
             <a:avLst/>
@@ -4425,7 +4421,7 @@
                   <a:schemeClr val="tx1"/>
                 </a:solidFill>
               </a:rPr>
-              <a:t>Data Layer (DAO)</a:t>
+              <a:t>Data Layer (Entities + DAOs)</a:t>
             </a:r>
             <a:endParaRPr lang="en-IL" dirty="0">
               <a:solidFill>
@@ -4449,8 +4445,8 @@
         </p:nvSpPr>
         <p:spPr>
           <a:xfrm>
-            <a:off x="5811159" y="2070340"/>
-            <a:ext cx="788053" cy="3871733"/>
+            <a:off x="4689729" y="2196960"/>
+            <a:ext cx="788053" cy="2653959"/>
           </a:xfrm>
           <a:prstGeom prst="rect">
             <a:avLst/>
@@ -4502,7 +4498,7 @@
         </p:nvSpPr>
         <p:spPr>
           <a:xfrm>
-            <a:off x="5811159" y="2337758"/>
+            <a:off x="4689729" y="2527540"/>
             <a:ext cx="788053" cy="741872"/>
           </a:xfrm>
           <a:prstGeom prst="rect">
@@ -4554,7 +4550,7 @@
         </p:nvSpPr>
         <p:spPr>
           <a:xfrm>
-            <a:off x="5811159" y="3609193"/>
+            <a:off x="4689729" y="3798975"/>
             <a:ext cx="788053" cy="741872"/>
           </a:xfrm>
           <a:prstGeom prst="rect">
@@ -4606,8 +4602,8 @@
         </p:nvSpPr>
         <p:spPr>
           <a:xfrm>
-            <a:off x="6852073" y="2058843"/>
-            <a:ext cx="788053" cy="3871733"/>
+            <a:off x="5730643" y="2196961"/>
+            <a:ext cx="788053" cy="2642460"/>
           </a:xfrm>
           <a:prstGeom prst="rect">
             <a:avLst/>
@@ -4659,7 +4655,7 @@
         </p:nvSpPr>
         <p:spPr>
           <a:xfrm>
-            <a:off x="6852073" y="2326261"/>
+            <a:off x="5730643" y="2516043"/>
             <a:ext cx="788053" cy="741872"/>
           </a:xfrm>
           <a:prstGeom prst="rect">
@@ -4711,7 +4707,7 @@
         </p:nvSpPr>
         <p:spPr>
           <a:xfrm>
-            <a:off x="6852073" y="3597696"/>
+            <a:off x="5730643" y="3787478"/>
             <a:ext cx="788053" cy="741872"/>
           </a:xfrm>
           <a:prstGeom prst="rect">
@@ -4763,8 +4759,61 @@
         </p:nvSpPr>
         <p:spPr>
           <a:xfrm>
-            <a:off x="8979912" y="2073226"/>
-            <a:ext cx="788053" cy="3871733"/>
+            <a:off x="9057546" y="4764649"/>
+            <a:ext cx="788053" cy="1283822"/>
+          </a:xfrm>
+          <a:prstGeom prst="rect">
+            <a:avLst/>
+          </a:prstGeom>
+          <a:solidFill>
+            <a:srgbClr val="00B0F0"/>
+          </a:solidFill>
+        </p:spPr>
+        <p:style>
+          <a:lnRef idx="2">
+            <a:schemeClr val="accent1">
+              <a:shade val="15000"/>
+            </a:schemeClr>
+          </a:lnRef>
+          <a:fillRef idx="1">
+            <a:schemeClr val="accent1"/>
+          </a:fillRef>
+          <a:effectRef idx="0">
+            <a:schemeClr val="accent1"/>
+          </a:effectRef>
+          <a:fontRef idx="minor">
+            <a:schemeClr val="lt1"/>
+          </a:fontRef>
+        </p:style>
+        <p:txBody>
+          <a:bodyPr rtlCol="0" anchor="ctr"/>
+          <a:lstStyle/>
+          <a:p>
+            <a:pPr algn="ctr"/>
+            <a:endParaRPr lang="en-IL" dirty="0">
+              <a:solidFill>
+                <a:schemeClr val="tx1"/>
+              </a:solidFill>
+            </a:endParaRPr>
+          </a:p>
+        </p:txBody>
+      </p:sp>
+      <p:sp>
+        <p:nvSpPr>
+          <p:cNvPr id="21" name="Rectangle 20">
+            <a:extLst>
+              <a:ext uri="{FF2B5EF4-FFF2-40B4-BE49-F238E27FC236}">
+                <a16:creationId xmlns:a16="http://schemas.microsoft.com/office/drawing/2014/main" id="{33CA8D80-8477-6B26-691C-0B444DC1696E}"/>
+              </a:ext>
+            </a:extLst>
+          </p:cNvPr>
+          <p:cNvSpPr/>
+          <p:nvPr/>
+        </p:nvSpPr>
+        <p:spPr>
+          <a:xfrm>
+            <a:off x="6768683" y="2219978"/>
+            <a:ext cx="788053" cy="3848715"/>
           </a:xfrm>
           <a:prstGeom prst="rect">
             <a:avLst/>
@@ -4804,10 +4853,10 @@
       </p:sp>
       <p:sp>
         <p:nvSpPr>
-          <p:cNvPr id="16" name="Rectangle 15">
-            <a:extLst>
-              <a:ext uri="{FF2B5EF4-FFF2-40B4-BE49-F238E27FC236}">
-                <a16:creationId xmlns:a16="http://schemas.microsoft.com/office/drawing/2014/main" id="{0D0B4AAC-808C-4FC1-92C6-1444EFD7D739}"/>
+          <p:cNvPr id="22" name="Rectangle 21">
+            <a:extLst>
+              <a:ext uri="{FF2B5EF4-FFF2-40B4-BE49-F238E27FC236}">
+                <a16:creationId xmlns:a16="http://schemas.microsoft.com/office/drawing/2014/main" id="{C162D971-7F12-A370-0270-E8618E07F1DF}"/>
               </a:ext>
             </a:extLst>
           </p:cNvPr>
@@ -4816,7 +4865,7 @@
         </p:nvSpPr>
         <p:spPr>
           <a:xfrm>
-            <a:off x="8979911" y="2332016"/>
+            <a:off x="6768683" y="2493124"/>
             <a:ext cx="788053" cy="741872"/>
           </a:xfrm>
           <a:prstGeom prst="rect">
@@ -4850,14 +4899,6 @@
           <a:lstStyle/>
           <a:p>
             <a:pPr algn="ctr"/>
-            <a:r>
-              <a:rPr lang="en-US" dirty="0">
-                <a:solidFill>
-                  <a:schemeClr val="tx1"/>
-                </a:solidFill>
-              </a:rPr>
-              <a:t>?</a:t>
-            </a:r>
             <a:endParaRPr lang="en-IL" dirty="0">
               <a:solidFill>
                 <a:schemeClr val="tx1"/>
@@ -4868,10 +4909,10 @@
       </p:sp>
       <p:sp>
         <p:nvSpPr>
-          <p:cNvPr id="18" name="Rectangle 17">
-            <a:extLst>
-              <a:ext uri="{FF2B5EF4-FFF2-40B4-BE49-F238E27FC236}">
-                <a16:creationId xmlns:a16="http://schemas.microsoft.com/office/drawing/2014/main" id="{58A97197-97B3-303A-B43F-ACCCED476407}"/>
+          <p:cNvPr id="23" name="Rectangle 22">
+            <a:extLst>
+              <a:ext uri="{FF2B5EF4-FFF2-40B4-BE49-F238E27FC236}">
+                <a16:creationId xmlns:a16="http://schemas.microsoft.com/office/drawing/2014/main" id="{657DEBA9-CBF9-9752-C3AB-9C7D2CC70664}"/>
               </a:ext>
             </a:extLst>
           </p:cNvPr>
@@ -4880,7 +4921,7 @@
         </p:nvSpPr>
         <p:spPr>
           <a:xfrm>
-            <a:off x="8979911" y="3609193"/>
+            <a:off x="6768683" y="3824858"/>
             <a:ext cx="788053" cy="741872"/>
           </a:xfrm>
           <a:prstGeom prst="rect">
@@ -4914,14 +4955,6 @@
           <a:lstStyle/>
           <a:p>
             <a:pPr algn="ctr"/>
-            <a:r>
-              <a:rPr lang="en-US" dirty="0">
-                <a:solidFill>
-                  <a:schemeClr val="tx1"/>
-                </a:solidFill>
-              </a:rPr>
-              <a:t>?</a:t>
-            </a:r>
             <a:endParaRPr lang="en-IL" dirty="0">
               <a:solidFill>
                 <a:schemeClr val="tx1"/>
@@ -4932,10 +4965,10 @@
       </p:sp>
       <p:sp>
         <p:nvSpPr>
-          <p:cNvPr id="19" name="Rectangle 18">
-            <a:extLst>
-              <a:ext uri="{FF2B5EF4-FFF2-40B4-BE49-F238E27FC236}">
-                <a16:creationId xmlns:a16="http://schemas.microsoft.com/office/drawing/2014/main" id="{C1CE4D10-4EFE-19D4-6C67-F6A1A5A6AAAF}"/>
+          <p:cNvPr id="26" name="Rectangle 25">
+            <a:extLst>
+              <a:ext uri="{FF2B5EF4-FFF2-40B4-BE49-F238E27FC236}">
+                <a16:creationId xmlns:a16="http://schemas.microsoft.com/office/drawing/2014/main" id="{320BCE0E-7302-387D-5E69-24C5E1B1D756}"/>
               </a:ext>
             </a:extLst>
           </p:cNvPr>
@@ -4944,16 +4977,15 @@
         </p:nvSpPr>
         <p:spPr>
           <a:xfrm>
-            <a:off x="8979912" y="4877863"/>
-            <a:ext cx="788053" cy="741872"/>
+            <a:off x="4689729" y="1497079"/>
+            <a:ext cx="6286103" cy="371205"/>
           </a:xfrm>
           <a:prstGeom prst="rect">
             <a:avLst/>
           </a:prstGeom>
           <a:solidFill>
-            <a:schemeClr val="accent2">
-              <a:lumMod val="60000"/>
-              <a:lumOff val="40000"/>
+            <a:schemeClr val="bg2">
+              <a:lumMod val="90000"/>
             </a:schemeClr>
           </a:solidFill>
         </p:spPr>
@@ -4978,16 +5010,151 @@
           <a:lstStyle/>
           <a:p>
             <a:pPr algn="ctr"/>
-            <a:endParaRPr lang="en-IL"/>
-          </a:p>
-        </p:txBody>
-      </p:sp>
-      <p:sp>
-        <p:nvSpPr>
-          <p:cNvPr id="21" name="Rectangle 20">
-            <a:extLst>
-              <a:ext uri="{FF2B5EF4-FFF2-40B4-BE49-F238E27FC236}">
-                <a16:creationId xmlns:a16="http://schemas.microsoft.com/office/drawing/2014/main" id="{33CA8D80-8477-6B26-691C-0B444DC1696E}"/>
+            <a:r>
+              <a:rPr lang="en-US" dirty="0">
+                <a:solidFill>
+                  <a:schemeClr val="tx1"/>
+                </a:solidFill>
+              </a:rPr>
+              <a:t>Modules</a:t>
+            </a:r>
+            <a:endParaRPr lang="en-IL" dirty="0">
+              <a:solidFill>
+                <a:schemeClr val="tx1"/>
+              </a:solidFill>
+            </a:endParaRPr>
+          </a:p>
+        </p:txBody>
+      </p:sp>
+      <p:cxnSp>
+        <p:nvCxnSpPr>
+          <p:cNvPr id="39" name="Straight Arrow Connector 38">
+            <a:extLst>
+              <a:ext uri="{FF2B5EF4-FFF2-40B4-BE49-F238E27FC236}">
+                <a16:creationId xmlns:a16="http://schemas.microsoft.com/office/drawing/2014/main" id="{3B0A9BBB-6314-6D2A-B099-E7D95F373FCC}"/>
+              </a:ext>
+            </a:extLst>
+          </p:cNvPr>
+          <p:cNvCxnSpPr/>
+          <p:nvPr/>
+        </p:nvCxnSpPr>
+        <p:spPr>
+          <a:xfrm>
+            <a:off x="2441275" y="3278034"/>
+            <a:ext cx="0" cy="414068"/>
+          </a:xfrm>
+          <a:prstGeom prst="straightConnector1">
+            <a:avLst/>
+          </a:prstGeom>
+          <a:ln>
+            <a:tailEnd type="triangle"/>
+          </a:ln>
+        </p:spPr>
+        <p:style>
+          <a:lnRef idx="2">
+            <a:schemeClr val="accent1"/>
+          </a:lnRef>
+          <a:fillRef idx="0">
+            <a:schemeClr val="accent1"/>
+          </a:fillRef>
+          <a:effectRef idx="1">
+            <a:schemeClr val="accent1"/>
+          </a:effectRef>
+          <a:fontRef idx="minor">
+            <a:schemeClr val="tx1"/>
+          </a:fontRef>
+        </p:style>
+      </p:cxnSp>
+      <p:cxnSp>
+        <p:nvCxnSpPr>
+          <p:cNvPr id="41" name="Straight Arrow Connector 40">
+            <a:extLst>
+              <a:ext uri="{FF2B5EF4-FFF2-40B4-BE49-F238E27FC236}">
+                <a16:creationId xmlns:a16="http://schemas.microsoft.com/office/drawing/2014/main" id="{5424CFB4-EA1C-A2B8-53EA-F30CC43588E5}"/>
+              </a:ext>
+            </a:extLst>
+          </p:cNvPr>
+          <p:cNvCxnSpPr/>
+          <p:nvPr/>
+        </p:nvCxnSpPr>
+        <p:spPr>
+          <a:xfrm>
+            <a:off x="2481915" y="4558102"/>
+            <a:ext cx="0" cy="453842"/>
+          </a:xfrm>
+          <a:prstGeom prst="straightConnector1">
+            <a:avLst/>
+          </a:prstGeom>
+          <a:ln>
+            <a:tailEnd type="triangle"/>
+          </a:ln>
+        </p:spPr>
+        <p:style>
+          <a:lnRef idx="2">
+            <a:schemeClr val="accent1"/>
+          </a:lnRef>
+          <a:fillRef idx="0">
+            <a:schemeClr val="accent1"/>
+          </a:fillRef>
+          <a:effectRef idx="1">
+            <a:schemeClr val="accent1"/>
+          </a:effectRef>
+          <a:fontRef idx="minor">
+            <a:schemeClr val="tx1"/>
+          </a:fontRef>
+        </p:style>
+      </p:cxnSp>
+      <p:cxnSp>
+        <p:nvCxnSpPr>
+          <p:cNvPr id="29" name="Straight Connector 28">
+            <a:extLst>
+              <a:ext uri="{FF2B5EF4-FFF2-40B4-BE49-F238E27FC236}">
+                <a16:creationId xmlns:a16="http://schemas.microsoft.com/office/drawing/2014/main" id="{76E3FFF8-BD57-B8CF-9879-0727D1BCAD8B}"/>
+              </a:ext>
+            </a:extLst>
+          </p:cNvPr>
+          <p:cNvCxnSpPr/>
+          <p:nvPr/>
+        </p:nvCxnSpPr>
+        <p:spPr>
+          <a:xfrm>
+            <a:off x="8678166" y="4883610"/>
+            <a:ext cx="0" cy="741872"/>
+          </a:xfrm>
+          <a:prstGeom prst="line">
+            <a:avLst/>
+          </a:prstGeom>
+          <a:ln w="19050" cap="flat" cmpd="sng" algn="ctr">
+            <a:solidFill>
+              <a:schemeClr val="dk1"/>
+            </a:solidFill>
+            <a:prstDash val="dash"/>
+            <a:round/>
+            <a:headEnd type="none" w="med" len="med"/>
+            <a:tailEnd type="none" w="med" len="med"/>
+          </a:ln>
+        </p:spPr>
+        <p:style>
+          <a:lnRef idx="0">
+            <a:scrgbClr r="0" g="0" b="0"/>
+          </a:lnRef>
+          <a:fillRef idx="0">
+            <a:scrgbClr r="0" g="0" b="0"/>
+          </a:fillRef>
+          <a:effectRef idx="0">
+            <a:scrgbClr r="0" g="0" b="0"/>
+          </a:effectRef>
+          <a:fontRef idx="minor">
+            <a:schemeClr val="tx1"/>
+          </a:fontRef>
+        </p:style>
+      </p:cxnSp>
+      <p:sp>
+        <p:nvSpPr>
+          <p:cNvPr id="47" name="Rectangle 46">
+            <a:extLst>
+              <a:ext uri="{FF2B5EF4-FFF2-40B4-BE49-F238E27FC236}">
+                <a16:creationId xmlns:a16="http://schemas.microsoft.com/office/drawing/2014/main" id="{71C2A50F-10CC-EEF2-810A-C7C4B147ADEA}"/>
               </a:ext>
             </a:extLst>
           </p:cNvPr>
@@ -4996,7 +5163,7 @@
         </p:nvSpPr>
         <p:spPr>
           <a:xfrm>
-            <a:off x="7890113" y="2078973"/>
+            <a:off x="7947635" y="2196960"/>
             <a:ext cx="788053" cy="3871733"/>
           </a:xfrm>
           <a:prstGeom prst="rect">
@@ -5037,10 +5204,10 @@
       </p:sp>
       <p:sp>
         <p:nvSpPr>
-          <p:cNvPr id="22" name="Rectangle 21">
-            <a:extLst>
-              <a:ext uri="{FF2B5EF4-FFF2-40B4-BE49-F238E27FC236}">
-                <a16:creationId xmlns:a16="http://schemas.microsoft.com/office/drawing/2014/main" id="{C162D971-7F12-A370-0270-E8618E07F1DF}"/>
+          <p:cNvPr id="48" name="Rectangle 47">
+            <a:extLst>
+              <a:ext uri="{FF2B5EF4-FFF2-40B4-BE49-F238E27FC236}">
+                <a16:creationId xmlns:a16="http://schemas.microsoft.com/office/drawing/2014/main" id="{3FDD374C-AF8D-2783-F832-BC195DD6D958}"/>
               </a:ext>
             </a:extLst>
           </p:cNvPr>
@@ -5049,7 +5216,7 @@
         </p:nvSpPr>
         <p:spPr>
           <a:xfrm>
-            <a:off x="7890113" y="2346391"/>
+            <a:off x="7939003" y="2464378"/>
             <a:ext cx="788053" cy="741872"/>
           </a:xfrm>
           <a:prstGeom prst="rect">
@@ -5083,14 +5250,6 @@
           <a:lstStyle/>
           <a:p>
             <a:pPr algn="ctr"/>
-            <a:r>
-              <a:rPr lang="en-US" dirty="0">
-                <a:solidFill>
-                  <a:schemeClr val="tx1"/>
-                </a:solidFill>
-              </a:rPr>
-              <a:t>?</a:t>
-            </a:r>
             <a:endParaRPr lang="en-IL" dirty="0">
               <a:solidFill>
                 <a:schemeClr val="tx1"/>
@@ -5101,10 +5260,10 @@
       </p:sp>
       <p:sp>
         <p:nvSpPr>
-          <p:cNvPr id="23" name="Rectangle 22">
-            <a:extLst>
-              <a:ext uri="{FF2B5EF4-FFF2-40B4-BE49-F238E27FC236}">
-                <a16:creationId xmlns:a16="http://schemas.microsoft.com/office/drawing/2014/main" id="{657DEBA9-CBF9-9752-C3AB-9C7D2CC70664}"/>
+          <p:cNvPr id="52" name="Rectangle 51">
+            <a:extLst>
+              <a:ext uri="{FF2B5EF4-FFF2-40B4-BE49-F238E27FC236}">
+                <a16:creationId xmlns:a16="http://schemas.microsoft.com/office/drawing/2014/main" id="{2F6C217A-C702-6E23-1AFB-4114AD6612AF}"/>
               </a:ext>
             </a:extLst>
           </p:cNvPr>
@@ -5113,7 +5272,60 @@
         </p:nvSpPr>
         <p:spPr>
           <a:xfrm>
-            <a:off x="7890113" y="3617826"/>
+            <a:off x="10187780" y="4753155"/>
+            <a:ext cx="788053" cy="1283822"/>
+          </a:xfrm>
+          <a:prstGeom prst="rect">
+            <a:avLst/>
+          </a:prstGeom>
+          <a:solidFill>
+            <a:srgbClr val="00B0F0"/>
+          </a:solidFill>
+        </p:spPr>
+        <p:style>
+          <a:lnRef idx="2">
+            <a:schemeClr val="accent1">
+              <a:shade val="15000"/>
+            </a:schemeClr>
+          </a:lnRef>
+          <a:fillRef idx="1">
+            <a:schemeClr val="accent1"/>
+          </a:fillRef>
+          <a:effectRef idx="0">
+            <a:schemeClr val="accent1"/>
+          </a:effectRef>
+          <a:fontRef idx="minor">
+            <a:schemeClr val="lt1"/>
+          </a:fontRef>
+        </p:style>
+        <p:txBody>
+          <a:bodyPr rtlCol="0" anchor="ctr"/>
+          <a:lstStyle/>
+          <a:p>
+            <a:pPr algn="ctr"/>
+            <a:endParaRPr lang="en-IL" dirty="0">
+              <a:solidFill>
+                <a:schemeClr val="tx1"/>
+              </a:solidFill>
+            </a:endParaRPr>
+          </a:p>
+        </p:txBody>
+      </p:sp>
+      <p:sp>
+        <p:nvSpPr>
+          <p:cNvPr id="53" name="Rectangle 52">
+            <a:extLst>
+              <a:ext uri="{FF2B5EF4-FFF2-40B4-BE49-F238E27FC236}">
+                <a16:creationId xmlns:a16="http://schemas.microsoft.com/office/drawing/2014/main" id="{02619557-4AA3-702B-F4F9-72B6C428001E}"/>
+              </a:ext>
+            </a:extLst>
+          </p:cNvPr>
+          <p:cNvSpPr/>
+          <p:nvPr/>
+        </p:nvSpPr>
+        <p:spPr>
+          <a:xfrm>
+            <a:off x="7938997" y="3847868"/>
             <a:ext cx="788053" cy="741872"/>
           </a:xfrm>
           <a:prstGeom prst="rect">
@@ -5147,14 +5359,6 @@
           <a:lstStyle/>
           <a:p>
             <a:pPr algn="ctr"/>
-            <a:r>
-              <a:rPr lang="en-US" dirty="0">
-                <a:solidFill>
-                  <a:schemeClr val="tx1"/>
-                </a:solidFill>
-              </a:rPr>
-              <a:t>?</a:t>
-            </a:r>
             <a:endParaRPr lang="en-IL" dirty="0">
               <a:solidFill>
                 <a:schemeClr val="tx1"/>
@@ -5177,8 +5381,8 @@
         </p:nvSpPr>
         <p:spPr>
           <a:xfrm>
-            <a:off x="7890113" y="4883610"/>
-            <a:ext cx="788053" cy="741872"/>
+            <a:off x="6768682" y="5142487"/>
+            <a:ext cx="4195471" cy="741872"/>
           </a:xfrm>
           <a:prstGeom prst="rect">
             <a:avLst/>
@@ -5215,161 +5419,47 @@
           </a:p>
         </p:txBody>
       </p:sp>
-      <p:sp>
-        <p:nvSpPr>
-          <p:cNvPr id="25" name="Rectangle 24">
-            <a:extLst>
-              <a:ext uri="{FF2B5EF4-FFF2-40B4-BE49-F238E27FC236}">
-                <a16:creationId xmlns:a16="http://schemas.microsoft.com/office/drawing/2014/main" id="{5E7F4DE7-EFE2-0962-A850-0FE04DFE3222}"/>
-              </a:ext>
-            </a:extLst>
-          </p:cNvPr>
-          <p:cNvSpPr/>
-          <p:nvPr/>
-        </p:nvSpPr>
-        <p:spPr>
-          <a:xfrm>
-            <a:off x="5844308" y="1515260"/>
-            <a:ext cx="1795818" cy="356684"/>
-          </a:xfrm>
-          <a:prstGeom prst="rect">
-            <a:avLst/>
-          </a:prstGeom>
-          <a:solidFill>
-            <a:srgbClr val="FFFF00"/>
-          </a:solidFill>
-        </p:spPr>
-        <p:style>
-          <a:lnRef idx="2">
-            <a:schemeClr val="accent1">
-              <a:shade val="15000"/>
-            </a:schemeClr>
-          </a:lnRef>
-          <a:fillRef idx="1">
-            <a:schemeClr val="accent1"/>
-          </a:fillRef>
-          <a:effectRef idx="0">
-            <a:schemeClr val="accent1"/>
-          </a:effectRef>
-          <a:fontRef idx="minor">
-            <a:schemeClr val="lt1"/>
-          </a:fontRef>
-        </p:style>
-        <p:txBody>
-          <a:bodyPr rtlCol="0" anchor="ctr"/>
-          <a:lstStyle/>
-          <a:p>
-            <a:pPr algn="ctr"/>
-            <a:r>
-              <a:rPr lang="en-US" dirty="0">
-                <a:solidFill>
-                  <a:schemeClr val="tx1"/>
-                </a:solidFill>
-              </a:rPr>
-              <a:t>Resources</a:t>
-            </a:r>
-            <a:endParaRPr lang="en-IL" dirty="0">
-              <a:solidFill>
-                <a:schemeClr val="tx1"/>
-              </a:solidFill>
-            </a:endParaRPr>
-          </a:p>
-        </p:txBody>
-      </p:sp>
-      <p:sp>
-        <p:nvSpPr>
-          <p:cNvPr id="26" name="Rectangle 25">
-            <a:extLst>
-              <a:ext uri="{FF2B5EF4-FFF2-40B4-BE49-F238E27FC236}">
-                <a16:creationId xmlns:a16="http://schemas.microsoft.com/office/drawing/2014/main" id="{320BCE0E-7302-387D-5E69-24C5E1B1D756}"/>
-              </a:ext>
-            </a:extLst>
-          </p:cNvPr>
-          <p:cNvSpPr/>
-          <p:nvPr/>
-        </p:nvSpPr>
-        <p:spPr>
-          <a:xfrm>
-            <a:off x="7890113" y="1495139"/>
-            <a:ext cx="1877851" cy="356684"/>
-          </a:xfrm>
-          <a:prstGeom prst="rect">
-            <a:avLst/>
-          </a:prstGeom>
-          <a:solidFill>
-            <a:srgbClr val="92D050"/>
-          </a:solidFill>
-        </p:spPr>
-        <p:style>
-          <a:lnRef idx="2">
-            <a:schemeClr val="accent1">
-              <a:shade val="15000"/>
-            </a:schemeClr>
-          </a:lnRef>
-          <a:fillRef idx="1">
-            <a:schemeClr val="accent1"/>
-          </a:fillRef>
-          <a:effectRef idx="0">
-            <a:schemeClr val="accent1"/>
-          </a:effectRef>
-          <a:fontRef idx="minor">
-            <a:schemeClr val="lt1"/>
-          </a:fontRef>
-        </p:style>
-        <p:txBody>
-          <a:bodyPr rtlCol="0" anchor="ctr"/>
-          <a:lstStyle/>
-          <a:p>
-            <a:pPr algn="ctr"/>
-            <a:r>
-              <a:rPr lang="en-US" dirty="0">
-                <a:solidFill>
-                  <a:schemeClr val="tx1"/>
-                </a:solidFill>
-              </a:rPr>
-              <a:t>Modules</a:t>
-            </a:r>
-            <a:endParaRPr lang="en-IL" dirty="0">
-              <a:solidFill>
-                <a:schemeClr val="tx1"/>
-              </a:solidFill>
-            </a:endParaRPr>
-          </a:p>
-        </p:txBody>
-      </p:sp>
       <p:cxnSp>
         <p:nvCxnSpPr>
-          <p:cNvPr id="28" name="Straight Arrow Connector 27">
-            <a:extLst>
-              <a:ext uri="{FF2B5EF4-FFF2-40B4-BE49-F238E27FC236}">
-                <a16:creationId xmlns:a16="http://schemas.microsoft.com/office/drawing/2014/main" id="{5419B398-E231-30A3-517C-B5BC4F7AABED}"/>
-              </a:ext>
-            </a:extLst>
-          </p:cNvPr>
-          <p:cNvCxnSpPr/>
+          <p:cNvPr id="31" name="Straight Connector 30">
+            <a:extLst>
+              <a:ext uri="{FF2B5EF4-FFF2-40B4-BE49-F238E27FC236}">
+                <a16:creationId xmlns:a16="http://schemas.microsoft.com/office/drawing/2014/main" id="{B0CD5EAF-7C4B-405E-A6C8-183662F8B75D}"/>
+              </a:ext>
+            </a:extLst>
+          </p:cNvPr>
+          <p:cNvCxnSpPr>
+            <a:cxnSpLocks/>
+          </p:cNvCxnSpPr>
           <p:nvPr/>
         </p:nvCxnSpPr>
         <p:spPr>
           <a:xfrm>
-            <a:off x="7203057" y="3079630"/>
-            <a:ext cx="0" cy="414068"/>
+            <a:off x="7545225" y="5130903"/>
+            <a:ext cx="0" cy="741872"/>
           </a:xfrm>
-          <a:prstGeom prst="straightConnector1">
+          <a:prstGeom prst="line">
             <a:avLst/>
           </a:prstGeom>
-          <a:ln>
-            <a:tailEnd type="triangle"/>
+          <a:ln w="19050" cap="flat" cmpd="sng" algn="ctr">
+            <a:solidFill>
+              <a:schemeClr val="dk1"/>
+            </a:solidFill>
+            <a:prstDash val="dash"/>
+            <a:round/>
+            <a:headEnd type="none" w="med" len="med"/>
+            <a:tailEnd type="none" w="med" len="med"/>
           </a:ln>
         </p:spPr>
         <p:style>
-          <a:lnRef idx="2">
-            <a:schemeClr val="accent1"/>
+          <a:lnRef idx="0">
+            <a:scrgbClr r="0" g="0" b="0"/>
           </a:lnRef>
           <a:fillRef idx="0">
-            <a:schemeClr val="accent1"/>
+            <a:scrgbClr r="0" g="0" b="0"/>
           </a:fillRef>
-          <a:effectRef idx="1">
-            <a:schemeClr val="accent1"/>
+          <a:effectRef idx="0">
+            <a:scrgbClr r="0" g="0" b="0"/>
           </a:effectRef>
           <a:fontRef idx="minor">
             <a:schemeClr val="tx1"/>
@@ -5378,37 +5468,45 @@
       </p:cxnSp>
       <p:cxnSp>
         <p:nvCxnSpPr>
-          <p:cNvPr id="30" name="Straight Arrow Connector 29">
-            <a:extLst>
-              <a:ext uri="{FF2B5EF4-FFF2-40B4-BE49-F238E27FC236}">
-                <a16:creationId xmlns:a16="http://schemas.microsoft.com/office/drawing/2014/main" id="{F44C9ED1-1598-E2F3-2ACF-30E3DA7A2318}"/>
-              </a:ext>
-            </a:extLst>
-          </p:cNvPr>
-          <p:cNvCxnSpPr/>
+          <p:cNvPr id="55" name="Straight Connector 54">
+            <a:extLst>
+              <a:ext uri="{FF2B5EF4-FFF2-40B4-BE49-F238E27FC236}">
+                <a16:creationId xmlns:a16="http://schemas.microsoft.com/office/drawing/2014/main" id="{66323796-84C8-D707-31D8-55FE1D209DE0}"/>
+              </a:ext>
+            </a:extLst>
+          </p:cNvPr>
+          <p:cNvCxnSpPr>
+            <a:cxnSpLocks/>
+          </p:cNvCxnSpPr>
           <p:nvPr/>
         </p:nvCxnSpPr>
         <p:spPr>
           <a:xfrm>
-            <a:off x="7640126" y="3795623"/>
-            <a:ext cx="249987" cy="0"/>
+            <a:off x="7930535" y="5179791"/>
+            <a:ext cx="0" cy="741872"/>
           </a:xfrm>
-          <a:prstGeom prst="straightConnector1">
+          <a:prstGeom prst="line">
             <a:avLst/>
           </a:prstGeom>
-          <a:ln>
-            <a:tailEnd type="triangle"/>
+          <a:ln w="19050" cap="flat" cmpd="sng" algn="ctr">
+            <a:solidFill>
+              <a:schemeClr val="dk1"/>
+            </a:solidFill>
+            <a:prstDash val="dash"/>
+            <a:round/>
+            <a:headEnd type="none" w="med" len="med"/>
+            <a:tailEnd type="none" w="med" len="med"/>
           </a:ln>
         </p:spPr>
         <p:style>
-          <a:lnRef idx="2">
-            <a:schemeClr val="accent1"/>
+          <a:lnRef idx="0">
+            <a:scrgbClr r="0" g="0" b="0"/>
           </a:lnRef>
           <a:fillRef idx="0">
-            <a:schemeClr val="accent1"/>
+            <a:scrgbClr r="0" g="0" b="0"/>
           </a:fillRef>
-          <a:effectRef idx="1">
-            <a:schemeClr val="accent1"/>
+          <a:effectRef idx="0">
+            <a:scrgbClr r="0" g="0" b="0"/>
           </a:effectRef>
           <a:fontRef idx="minor">
             <a:schemeClr val="tx1"/>
@@ -5417,10 +5515,10 @@
       </p:cxnSp>
       <p:cxnSp>
         <p:nvCxnSpPr>
-          <p:cNvPr id="32" name="Straight Arrow Connector 31">
-            <a:extLst>
-              <a:ext uri="{FF2B5EF4-FFF2-40B4-BE49-F238E27FC236}">
-                <a16:creationId xmlns:a16="http://schemas.microsoft.com/office/drawing/2014/main" id="{985E064A-DFDC-D6EB-359F-016B1BAC48B7}"/>
+          <p:cNvPr id="56" name="Straight Connector 55">
+            <a:extLst>
+              <a:ext uri="{FF2B5EF4-FFF2-40B4-BE49-F238E27FC236}">
+                <a16:creationId xmlns:a16="http://schemas.microsoft.com/office/drawing/2014/main" id="{CEA1D50C-75C3-6B75-36D4-F0797CD6595B}"/>
               </a:ext>
             </a:extLst>
           </p:cNvPr>
@@ -5431,25 +5529,31 @@
         </p:nvCxnSpPr>
         <p:spPr>
           <a:xfrm>
-            <a:off x="8324491" y="3088263"/>
-            <a:ext cx="0" cy="509433"/>
+            <a:off x="8755800" y="5202801"/>
+            <a:ext cx="0" cy="741872"/>
           </a:xfrm>
-          <a:prstGeom prst="straightConnector1">
+          <a:prstGeom prst="line">
             <a:avLst/>
           </a:prstGeom>
-          <a:ln>
-            <a:tailEnd type="triangle"/>
+          <a:ln w="19050" cap="flat" cmpd="sng" algn="ctr">
+            <a:solidFill>
+              <a:schemeClr val="dk1"/>
+            </a:solidFill>
+            <a:prstDash val="dash"/>
+            <a:round/>
+            <a:headEnd type="none" w="med" len="med"/>
+            <a:tailEnd type="none" w="med" len="med"/>
           </a:ln>
         </p:spPr>
         <p:style>
-          <a:lnRef idx="2">
-            <a:schemeClr val="accent1"/>
+          <a:lnRef idx="0">
+            <a:scrgbClr r="0" g="0" b="0"/>
           </a:lnRef>
           <a:fillRef idx="0">
-            <a:schemeClr val="accent1"/>
+            <a:scrgbClr r="0" g="0" b="0"/>
           </a:fillRef>
-          <a:effectRef idx="1">
-            <a:schemeClr val="accent1"/>
+          <a:effectRef idx="0">
+            <a:scrgbClr r="0" g="0" b="0"/>
           </a:effectRef>
           <a:fontRef idx="minor">
             <a:schemeClr val="tx1"/>
@@ -5458,37 +5562,45 @@
       </p:cxnSp>
       <p:cxnSp>
         <p:nvCxnSpPr>
-          <p:cNvPr id="35" name="Straight Arrow Connector 34">
-            <a:extLst>
-              <a:ext uri="{FF2B5EF4-FFF2-40B4-BE49-F238E27FC236}">
-                <a16:creationId xmlns:a16="http://schemas.microsoft.com/office/drawing/2014/main" id="{8BA18EDB-4B08-FEF7-1200-AFC8494DD8A8}"/>
-              </a:ext>
-            </a:extLst>
-          </p:cNvPr>
-          <p:cNvCxnSpPr/>
+          <p:cNvPr id="57" name="Straight Connector 56">
+            <a:extLst>
+              <a:ext uri="{FF2B5EF4-FFF2-40B4-BE49-F238E27FC236}">
+                <a16:creationId xmlns:a16="http://schemas.microsoft.com/office/drawing/2014/main" id="{FB5364E6-0886-F964-633A-E25B45C06BCB}"/>
+              </a:ext>
+            </a:extLst>
+          </p:cNvPr>
+          <p:cNvCxnSpPr>
+            <a:cxnSpLocks/>
+          </p:cNvCxnSpPr>
           <p:nvPr/>
         </p:nvCxnSpPr>
         <p:spPr>
-          <a:xfrm flipH="1">
-            <a:off x="8284139" y="4359698"/>
-            <a:ext cx="11407" cy="453842"/>
+          <a:xfrm>
+            <a:off x="9054846" y="5199929"/>
+            <a:ext cx="0" cy="741872"/>
           </a:xfrm>
-          <a:prstGeom prst="straightConnector1">
+          <a:prstGeom prst="line">
             <a:avLst/>
           </a:prstGeom>
-          <a:ln>
-            <a:tailEnd type="triangle"/>
+          <a:ln w="19050" cap="flat" cmpd="sng" algn="ctr">
+            <a:solidFill>
+              <a:schemeClr val="dk1"/>
+            </a:solidFill>
+            <a:prstDash val="dash"/>
+            <a:round/>
+            <a:headEnd type="none" w="med" len="med"/>
+            <a:tailEnd type="none" w="med" len="med"/>
           </a:ln>
         </p:spPr>
         <p:style>
-          <a:lnRef idx="2">
-            <a:schemeClr val="accent1"/>
+          <a:lnRef idx="0">
+            <a:scrgbClr r="0" g="0" b="0"/>
           </a:lnRef>
           <a:fillRef idx="0">
-            <a:schemeClr val="accent1"/>
+            <a:scrgbClr r="0" g="0" b="0"/>
           </a:fillRef>
-          <a:effectRef idx="1">
-            <a:schemeClr val="accent1"/>
+          <a:effectRef idx="0">
+            <a:scrgbClr r="0" g="0" b="0"/>
           </a:effectRef>
           <a:fontRef idx="minor">
             <a:schemeClr val="tx1"/>
@@ -5497,37 +5609,45 @@
       </p:cxnSp>
       <p:cxnSp>
         <p:nvCxnSpPr>
-          <p:cNvPr id="37" name="Straight Arrow Connector 36">
-            <a:extLst>
-              <a:ext uri="{FF2B5EF4-FFF2-40B4-BE49-F238E27FC236}">
-                <a16:creationId xmlns:a16="http://schemas.microsoft.com/office/drawing/2014/main" id="{978E6600-D2BA-0063-DBB3-57C8FC382A78}"/>
-              </a:ext>
-            </a:extLst>
-          </p:cNvPr>
-          <p:cNvCxnSpPr/>
+          <p:cNvPr id="58" name="Straight Connector 57">
+            <a:extLst>
+              <a:ext uri="{FF2B5EF4-FFF2-40B4-BE49-F238E27FC236}">
+                <a16:creationId xmlns:a16="http://schemas.microsoft.com/office/drawing/2014/main" id="{074AFE78-2272-5851-EE93-3FF7EA785FBF}"/>
+              </a:ext>
+            </a:extLst>
+          </p:cNvPr>
+          <p:cNvCxnSpPr>
+            <a:cxnSpLocks/>
+          </p:cNvCxnSpPr>
           <p:nvPr/>
         </p:nvCxnSpPr>
         <p:spPr>
           <a:xfrm>
-            <a:off x="7646959" y="4241096"/>
-            <a:ext cx="1281194" cy="0"/>
+            <a:off x="9854226" y="5205687"/>
+            <a:ext cx="0" cy="741872"/>
           </a:xfrm>
-          <a:prstGeom prst="straightConnector1">
+          <a:prstGeom prst="line">
             <a:avLst/>
           </a:prstGeom>
-          <a:ln>
-            <a:tailEnd type="triangle"/>
+          <a:ln w="19050" cap="flat" cmpd="sng" algn="ctr">
+            <a:solidFill>
+              <a:schemeClr val="dk1"/>
+            </a:solidFill>
+            <a:prstDash val="dash"/>
+            <a:round/>
+            <a:headEnd type="none" w="med" len="med"/>
+            <a:tailEnd type="none" w="med" len="med"/>
           </a:ln>
         </p:spPr>
         <p:style>
-          <a:lnRef idx="2">
-            <a:schemeClr val="accent1"/>
+          <a:lnRef idx="0">
+            <a:scrgbClr r="0" g="0" b="0"/>
           </a:lnRef>
           <a:fillRef idx="0">
-            <a:schemeClr val="accent1"/>
+            <a:scrgbClr r="0" g="0" b="0"/>
           </a:fillRef>
-          <a:effectRef idx="1">
-            <a:schemeClr val="accent1"/>
+          <a:effectRef idx="0">
+            <a:scrgbClr r="0" g="0" b="0"/>
           </a:effectRef>
           <a:fontRef idx="minor">
             <a:schemeClr val="tx1"/>
@@ -5536,37 +5656,45 @@
       </p:cxnSp>
       <p:cxnSp>
         <p:nvCxnSpPr>
-          <p:cNvPr id="39" name="Straight Arrow Connector 38">
-            <a:extLst>
-              <a:ext uri="{FF2B5EF4-FFF2-40B4-BE49-F238E27FC236}">
-                <a16:creationId xmlns:a16="http://schemas.microsoft.com/office/drawing/2014/main" id="{3B0A9BBB-6314-6D2A-B099-E7D95F373FCC}"/>
-              </a:ext>
-            </a:extLst>
-          </p:cNvPr>
-          <p:cNvCxnSpPr/>
+          <p:cNvPr id="59" name="Straight Connector 58">
+            <a:extLst>
+              <a:ext uri="{FF2B5EF4-FFF2-40B4-BE49-F238E27FC236}">
+                <a16:creationId xmlns:a16="http://schemas.microsoft.com/office/drawing/2014/main" id="{4CDA85CF-16BB-DFCF-AC9F-3108FD381206}"/>
+              </a:ext>
+            </a:extLst>
+          </p:cNvPr>
+          <p:cNvCxnSpPr>
+            <a:cxnSpLocks/>
+          </p:cNvCxnSpPr>
           <p:nvPr/>
         </p:nvCxnSpPr>
         <p:spPr>
           <a:xfrm>
-            <a:off x="2898475" y="3079630"/>
-            <a:ext cx="0" cy="414068"/>
+            <a:off x="10187780" y="5159685"/>
+            <a:ext cx="0" cy="741872"/>
           </a:xfrm>
-          <a:prstGeom prst="straightConnector1">
+          <a:prstGeom prst="line">
             <a:avLst/>
           </a:prstGeom>
-          <a:ln>
-            <a:tailEnd type="triangle"/>
+          <a:ln w="19050" cap="flat" cmpd="sng" algn="ctr">
+            <a:solidFill>
+              <a:schemeClr val="dk1"/>
+            </a:solidFill>
+            <a:prstDash val="dash"/>
+            <a:round/>
+            <a:headEnd type="none" w="med" len="med"/>
+            <a:tailEnd type="none" w="med" len="med"/>
           </a:ln>
         </p:spPr>
         <p:style>
-          <a:lnRef idx="2">
-            <a:schemeClr val="accent1"/>
+          <a:lnRef idx="0">
+            <a:scrgbClr r="0" g="0" b="0"/>
           </a:lnRef>
           <a:fillRef idx="0">
-            <a:schemeClr val="accent1"/>
+            <a:scrgbClr r="0" g="0" b="0"/>
           </a:fillRef>
-          <a:effectRef idx="1">
-            <a:schemeClr val="accent1"/>
+          <a:effectRef idx="0">
+            <a:scrgbClr r="0" g="0" b="0"/>
           </a:effectRef>
           <a:fontRef idx="minor">
             <a:schemeClr val="tx1"/>
@@ -5575,10 +5703,10 @@
       </p:cxnSp>
       <p:cxnSp>
         <p:nvCxnSpPr>
-          <p:cNvPr id="41" name="Straight Arrow Connector 40">
-            <a:extLst>
-              <a:ext uri="{FF2B5EF4-FFF2-40B4-BE49-F238E27FC236}">
-                <a16:creationId xmlns:a16="http://schemas.microsoft.com/office/drawing/2014/main" id="{5424CFB4-EA1C-A2B8-53EA-F30CC43588E5}"/>
+          <p:cNvPr id="60" name="Straight Arrow Connector 59">
+            <a:extLst>
+              <a:ext uri="{FF2B5EF4-FFF2-40B4-BE49-F238E27FC236}">
+                <a16:creationId xmlns:a16="http://schemas.microsoft.com/office/drawing/2014/main" id="{1B2B024D-08B3-7BD0-8664-004E88040917}"/>
               </a:ext>
             </a:extLst>
           </p:cNvPr>
@@ -5587,7 +5715,7 @@
         </p:nvCxnSpPr>
         <p:spPr>
           <a:xfrm>
-            <a:off x="2898475" y="4359698"/>
+            <a:off x="2634315" y="4710502"/>
             <a:ext cx="0" cy="453842"/>
           </a:xfrm>
           <a:prstGeom prst="straightConnector1">

--- a/NestNet.pptx
+++ b/NestNet.pptx
@@ -8,11 +8,12 @@
     <p:sldId id="256" r:id="rId2"/>
     <p:sldId id="275" r:id="rId3"/>
     <p:sldId id="278" r:id="rId4"/>
-    <p:sldId id="274" r:id="rId5"/>
-    <p:sldId id="273" r:id="rId6"/>
-    <p:sldId id="272" r:id="rId7"/>
-    <p:sldId id="271" r:id="rId8"/>
-    <p:sldId id="279" r:id="rId9"/>
+    <p:sldId id="280" r:id="rId5"/>
+    <p:sldId id="274" r:id="rId6"/>
+    <p:sldId id="273" r:id="rId7"/>
+    <p:sldId id="272" r:id="rId8"/>
+    <p:sldId id="271" r:id="rId9"/>
+    <p:sldId id="279" r:id="rId10"/>
   </p:sldIdLst>
   <p:sldSz cx="12192000" cy="6858000"/>
   <p:notesSz cx="6858000" cy="9144000"/>
@@ -268,7 +269,7 @@
           <a:p>
             <a:fld id="{9E14FA7F-4ABB-408A-AF0C-ED7DC017B082}" type="datetimeFigureOut">
               <a:rPr lang="en-IL" smtClean="0"/>
-              <a:t>10/02/2025</a:t>
+              <a:t>16/02/2025</a:t>
             </a:fld>
             <a:endParaRPr lang="en-IL"/>
           </a:p>
@@ -468,7 +469,7 @@
           <a:p>
             <a:fld id="{9E14FA7F-4ABB-408A-AF0C-ED7DC017B082}" type="datetimeFigureOut">
               <a:rPr lang="en-IL" smtClean="0"/>
-              <a:t>10/02/2025</a:t>
+              <a:t>16/02/2025</a:t>
             </a:fld>
             <a:endParaRPr lang="en-IL"/>
           </a:p>
@@ -678,7 +679,7 @@
           <a:p>
             <a:fld id="{9E14FA7F-4ABB-408A-AF0C-ED7DC017B082}" type="datetimeFigureOut">
               <a:rPr lang="en-IL" smtClean="0"/>
-              <a:t>10/02/2025</a:t>
+              <a:t>16/02/2025</a:t>
             </a:fld>
             <a:endParaRPr lang="en-IL"/>
           </a:p>
@@ -878,7 +879,7 @@
           <a:p>
             <a:fld id="{9E14FA7F-4ABB-408A-AF0C-ED7DC017B082}" type="datetimeFigureOut">
               <a:rPr lang="en-IL" smtClean="0"/>
-              <a:t>10/02/2025</a:t>
+              <a:t>16/02/2025</a:t>
             </a:fld>
             <a:endParaRPr lang="en-IL"/>
           </a:p>
@@ -1154,7 +1155,7 @@
           <a:p>
             <a:fld id="{9E14FA7F-4ABB-408A-AF0C-ED7DC017B082}" type="datetimeFigureOut">
               <a:rPr lang="en-IL" smtClean="0"/>
-              <a:t>10/02/2025</a:t>
+              <a:t>16/02/2025</a:t>
             </a:fld>
             <a:endParaRPr lang="en-IL"/>
           </a:p>
@@ -1422,7 +1423,7 @@
           <a:p>
             <a:fld id="{9E14FA7F-4ABB-408A-AF0C-ED7DC017B082}" type="datetimeFigureOut">
               <a:rPr lang="en-IL" smtClean="0"/>
-              <a:t>10/02/2025</a:t>
+              <a:t>16/02/2025</a:t>
             </a:fld>
             <a:endParaRPr lang="en-IL"/>
           </a:p>
@@ -1837,7 +1838,7 @@
           <a:p>
             <a:fld id="{9E14FA7F-4ABB-408A-AF0C-ED7DC017B082}" type="datetimeFigureOut">
               <a:rPr lang="en-IL" smtClean="0"/>
-              <a:t>10/02/2025</a:t>
+              <a:t>16/02/2025</a:t>
             </a:fld>
             <a:endParaRPr lang="en-IL"/>
           </a:p>
@@ -1979,7 +1980,7 @@
           <a:p>
             <a:fld id="{9E14FA7F-4ABB-408A-AF0C-ED7DC017B082}" type="datetimeFigureOut">
               <a:rPr lang="en-IL" smtClean="0"/>
-              <a:t>10/02/2025</a:t>
+              <a:t>16/02/2025</a:t>
             </a:fld>
             <a:endParaRPr lang="en-IL"/>
           </a:p>
@@ -2092,7 +2093,7 @@
           <a:p>
             <a:fld id="{9E14FA7F-4ABB-408A-AF0C-ED7DC017B082}" type="datetimeFigureOut">
               <a:rPr lang="en-IL" smtClean="0"/>
-              <a:t>10/02/2025</a:t>
+              <a:t>16/02/2025</a:t>
             </a:fld>
             <a:endParaRPr lang="en-IL"/>
           </a:p>
@@ -2405,7 +2406,7 @@
           <a:p>
             <a:fld id="{9E14FA7F-4ABB-408A-AF0C-ED7DC017B082}" type="datetimeFigureOut">
               <a:rPr lang="en-IL" smtClean="0"/>
-              <a:t>10/02/2025</a:t>
+              <a:t>16/02/2025</a:t>
             </a:fld>
             <a:endParaRPr lang="en-IL"/>
           </a:p>
@@ -2694,7 +2695,7 @@
           <a:p>
             <a:fld id="{9E14FA7F-4ABB-408A-AF0C-ED7DC017B082}" type="datetimeFigureOut">
               <a:rPr lang="en-IL" smtClean="0"/>
-              <a:t>10/02/2025</a:t>
+              <a:t>16/02/2025</a:t>
             </a:fld>
             <a:endParaRPr lang="en-IL"/>
           </a:p>
@@ -2937,7 +2938,7 @@
           <a:p>
             <a:fld id="{9E14FA7F-4ABB-408A-AF0C-ED7DC017B082}" type="datetimeFigureOut">
               <a:rPr lang="en-IL" smtClean="0"/>
-              <a:t>10/02/2025</a:t>
+              <a:t>16/02/2025</a:t>
             </a:fld>
             <a:endParaRPr lang="en-IL"/>
           </a:p>
@@ -4154,7 +4155,7 @@
           <a:p>
             <a:r>
               <a:rPr lang="en-US" dirty="0"/>
-              <a:t>App Structure</a:t>
+              <a:t>App Structure – High Level</a:t>
             </a:r>
             <a:endParaRPr lang="en-IL" dirty="0"/>
           </a:p>
@@ -5695,45 +5696,6 @@
           </a:fillRef>
           <a:effectRef idx="0">
             <a:scrgbClr r="0" g="0" b="0"/>
-          </a:effectRef>
-          <a:fontRef idx="minor">
-            <a:schemeClr val="tx1"/>
-          </a:fontRef>
-        </p:style>
-      </p:cxnSp>
-      <p:cxnSp>
-        <p:nvCxnSpPr>
-          <p:cNvPr id="60" name="Straight Arrow Connector 59">
-            <a:extLst>
-              <a:ext uri="{FF2B5EF4-FFF2-40B4-BE49-F238E27FC236}">
-                <a16:creationId xmlns:a16="http://schemas.microsoft.com/office/drawing/2014/main" id="{1B2B024D-08B3-7BD0-8664-004E88040917}"/>
-              </a:ext>
-            </a:extLst>
-          </p:cNvPr>
-          <p:cNvCxnSpPr/>
-          <p:nvPr/>
-        </p:nvCxnSpPr>
-        <p:spPr>
-          <a:xfrm>
-            <a:off x="2634315" y="4710502"/>
-            <a:ext cx="0" cy="453842"/>
-          </a:xfrm>
-          <a:prstGeom prst="straightConnector1">
-            <a:avLst/>
-          </a:prstGeom>
-          <a:ln>
-            <a:tailEnd type="triangle"/>
-          </a:ln>
-        </p:spPr>
-        <p:style>
-          <a:lnRef idx="2">
-            <a:schemeClr val="accent1"/>
-          </a:lnRef>
-          <a:fillRef idx="0">
-            <a:schemeClr val="accent1"/>
-          </a:fillRef>
-          <a:effectRef idx="1">
-            <a:schemeClr val="accent1"/>
           </a:effectRef>
           <a:fontRef idx="minor">
             <a:schemeClr val="tx1"/>
@@ -5775,7 +5737,7 @@
           <p:cNvPr id="2" name="Title 1">
             <a:extLst>
               <a:ext uri="{FF2B5EF4-FFF2-40B4-BE49-F238E27FC236}">
-                <a16:creationId xmlns:a16="http://schemas.microsoft.com/office/drawing/2014/main" id="{CF736F5C-7542-AA60-52D4-8B3A4C082093}"/>
+                <a16:creationId xmlns:a16="http://schemas.microsoft.com/office/drawing/2014/main" id="{7B68FA11-22B8-1E88-CA84-8A87FDDEC1F6}"/>
               </a:ext>
             </a:extLst>
           </p:cNvPr>
@@ -5792,100 +5754,1215 @@
           <a:lstStyle/>
           <a:p>
             <a:r>
-              <a:rPr lang="en-US" b="1" i="0" dirty="0" err="1">
-                <a:solidFill>
-                  <a:srgbClr val="3B3B3B"/>
-                </a:solidFill>
-                <a:effectLst/>
-                <a:latin typeface="Segoe WPC"/>
-              </a:rPr>
-              <a:t>NestNet.Cli</a:t>
+              <a:rPr lang="en-US" dirty="0"/>
+              <a:t>App Structure – DAL Details</a:t>
             </a:r>
             <a:endParaRPr lang="en-IL" dirty="0"/>
           </a:p>
         </p:txBody>
       </p:sp>
-      <p:sp>
-        <p:nvSpPr>
-          <p:cNvPr id="3" name="Content Placeholder 2">
-            <a:extLst>
-              <a:ext uri="{FF2B5EF4-FFF2-40B4-BE49-F238E27FC236}">
-                <a16:creationId xmlns:a16="http://schemas.microsoft.com/office/drawing/2014/main" id="{F8078FFC-F9FA-EF92-3671-A2D46FFF82DA}"/>
-              </a:ext>
-            </a:extLst>
-          </p:cNvPr>
-          <p:cNvSpPr>
-            <a:spLocks noGrp="1"/>
-          </p:cNvSpPr>
+      <p:pic>
+        <p:nvPicPr>
+          <p:cNvPr id="19" name="Content Placeholder 18">
+            <a:extLst>
+              <a:ext uri="{FF2B5EF4-FFF2-40B4-BE49-F238E27FC236}">
+                <a16:creationId xmlns:a16="http://schemas.microsoft.com/office/drawing/2014/main" id="{62625A38-FF05-685B-A004-46ADB8192949}"/>
+              </a:ext>
+            </a:extLst>
+          </p:cNvPr>
+          <p:cNvPicPr>
+            <a:picLocks noGrp="1" noChangeAspect="1"/>
+          </p:cNvPicPr>
           <p:nvPr>
             <p:ph idx="1"/>
           </p:nvPr>
-        </p:nvSpPr>
-        <p:spPr/>
-        <p:txBody>
-          <a:bodyPr>
-            <a:normAutofit/>
+        </p:nvPicPr>
+        <p:blipFill>
+          <a:blip r:embed="rId2"/>
+          <a:stretch>
+            <a:fillRect/>
+          </a:stretch>
+        </p:blipFill>
+        <p:spPr>
+          <a:xfrm>
+            <a:off x="3509931" y="2031438"/>
+            <a:ext cx="3688400" cy="4072481"/>
+          </a:xfrm>
+          <a:prstGeom prst="rect">
+            <a:avLst/>
+          </a:prstGeom>
+        </p:spPr>
+      </p:pic>
+      <p:sp>
+        <p:nvSpPr>
+          <p:cNvPr id="5" name="Rectangle 4">
+            <a:extLst>
+              <a:ext uri="{FF2B5EF4-FFF2-40B4-BE49-F238E27FC236}">
+                <a16:creationId xmlns:a16="http://schemas.microsoft.com/office/drawing/2014/main" id="{635B789E-B932-48AF-2279-1AAA1DE825F0}"/>
+              </a:ext>
+            </a:extLst>
+          </p:cNvPr>
+          <p:cNvSpPr/>
+          <p:nvPr/>
+        </p:nvSpPr>
+        <p:spPr>
+          <a:xfrm>
+            <a:off x="7686136" y="2058843"/>
+            <a:ext cx="3667664" cy="4057285"/>
+          </a:xfrm>
+          <a:prstGeom prst="rect">
+            <a:avLst/>
+          </a:prstGeom>
+          <a:solidFill>
+            <a:schemeClr val="accent1">
+              <a:lumMod val="20000"/>
+              <a:lumOff val="80000"/>
+            </a:schemeClr>
+          </a:solidFill>
+        </p:spPr>
+        <p:style>
+          <a:lnRef idx="2">
+            <a:schemeClr val="accent1">
+              <a:shade val="15000"/>
+            </a:schemeClr>
+          </a:lnRef>
+          <a:fillRef idx="1">
+            <a:schemeClr val="accent1"/>
+          </a:fillRef>
+          <a:effectRef idx="0">
+            <a:schemeClr val="accent1"/>
+          </a:effectRef>
+          <a:fontRef idx="minor">
+            <a:schemeClr val="lt1"/>
+          </a:fontRef>
+        </p:style>
+        <p:txBody>
+          <a:bodyPr rtlCol="0" anchor="ctr"/>
+          <a:lstStyle/>
+          <a:p>
+            <a:pPr algn="ctr"/>
+            <a:endParaRPr lang="en-IL" dirty="0"/>
+          </a:p>
+        </p:txBody>
+      </p:sp>
+      <p:sp>
+        <p:nvSpPr>
+          <p:cNvPr id="25" name="Rectangle 24">
+            <a:extLst>
+              <a:ext uri="{FF2B5EF4-FFF2-40B4-BE49-F238E27FC236}">
+                <a16:creationId xmlns:a16="http://schemas.microsoft.com/office/drawing/2014/main" id="{A681EB0D-B803-CBB2-6073-61A18489FB10}"/>
+              </a:ext>
+            </a:extLst>
+          </p:cNvPr>
+          <p:cNvSpPr/>
+          <p:nvPr/>
+        </p:nvSpPr>
+        <p:spPr>
+          <a:xfrm>
+            <a:off x="293301" y="2524665"/>
+            <a:ext cx="2925695" cy="741872"/>
+          </a:xfrm>
+          <a:prstGeom prst="rect">
+            <a:avLst/>
+          </a:prstGeom>
+          <a:solidFill>
+            <a:schemeClr val="accent2">
+              <a:lumMod val="20000"/>
+              <a:lumOff val="80000"/>
+            </a:schemeClr>
+          </a:solidFill>
+        </p:spPr>
+        <p:style>
+          <a:lnRef idx="2">
+            <a:schemeClr val="accent1">
+              <a:shade val="15000"/>
+            </a:schemeClr>
+          </a:lnRef>
+          <a:fillRef idx="1">
+            <a:schemeClr val="accent1"/>
+          </a:fillRef>
+          <a:effectRef idx="0">
+            <a:schemeClr val="accent1"/>
+          </a:effectRef>
+          <a:fontRef idx="minor">
+            <a:schemeClr val="lt1"/>
+          </a:fontRef>
+        </p:style>
+        <p:txBody>
+          <a:bodyPr rtlCol="0" anchor="ctr"/>
+          <a:lstStyle/>
+          <a:p>
+            <a:r>
+              <a:rPr lang="en-US" dirty="0">
+                <a:solidFill>
+                  <a:schemeClr val="tx1"/>
+                </a:solidFill>
+              </a:rPr>
+              <a:t>Microservice Data Layer </a:t>
+            </a:r>
+            <a:endParaRPr lang="en-IL" dirty="0">
+              <a:solidFill>
+                <a:schemeClr val="tx1"/>
+              </a:solidFill>
+            </a:endParaRPr>
+          </a:p>
+        </p:txBody>
+      </p:sp>
+      <p:sp>
+        <p:nvSpPr>
+          <p:cNvPr id="27" name="Rectangle 26">
+            <a:extLst>
+              <a:ext uri="{FF2B5EF4-FFF2-40B4-BE49-F238E27FC236}">
+                <a16:creationId xmlns:a16="http://schemas.microsoft.com/office/drawing/2014/main" id="{AF14AAF5-BFCB-E586-EFD6-9B02B13730D4}"/>
+              </a:ext>
+            </a:extLst>
+          </p:cNvPr>
+          <p:cNvSpPr/>
+          <p:nvPr/>
+        </p:nvSpPr>
+        <p:spPr>
+          <a:xfrm>
+            <a:off x="293301" y="3807597"/>
+            <a:ext cx="2925695" cy="741872"/>
+          </a:xfrm>
+          <a:prstGeom prst="rect">
+            <a:avLst/>
+          </a:prstGeom>
+          <a:solidFill>
+            <a:schemeClr val="accent2">
+              <a:lumMod val="40000"/>
+              <a:lumOff val="60000"/>
+            </a:schemeClr>
+          </a:solidFill>
+        </p:spPr>
+        <p:style>
+          <a:lnRef idx="2">
+            <a:schemeClr val="accent1">
+              <a:shade val="15000"/>
+            </a:schemeClr>
+          </a:lnRef>
+          <a:fillRef idx="1">
+            <a:schemeClr val="accent1"/>
+          </a:fillRef>
+          <a:effectRef idx="0">
+            <a:schemeClr val="accent1"/>
+          </a:effectRef>
+          <a:fontRef idx="minor">
+            <a:schemeClr val="lt1"/>
+          </a:fontRef>
+        </p:style>
+        <p:txBody>
+          <a:bodyPr rtlCol="0" anchor="ctr"/>
+          <a:lstStyle/>
+          <a:p>
+            <a:r>
+              <a:rPr lang="en-US" dirty="0">
+                <a:solidFill>
+                  <a:schemeClr val="tx1"/>
+                </a:solidFill>
+              </a:rPr>
+              <a:t>Common Infra</a:t>
+            </a:r>
+            <a:endParaRPr lang="en-IL" dirty="0">
+              <a:solidFill>
+                <a:schemeClr val="tx1"/>
+              </a:solidFill>
+            </a:endParaRPr>
+          </a:p>
+        </p:txBody>
+      </p:sp>
+      <p:sp>
+        <p:nvSpPr>
+          <p:cNvPr id="28" name="Rectangle 27">
+            <a:extLst>
+              <a:ext uri="{FF2B5EF4-FFF2-40B4-BE49-F238E27FC236}">
+                <a16:creationId xmlns:a16="http://schemas.microsoft.com/office/drawing/2014/main" id="{79F3097A-F193-1ED3-23CF-92AAE793EA95}"/>
+              </a:ext>
+            </a:extLst>
+          </p:cNvPr>
+          <p:cNvSpPr/>
+          <p:nvPr/>
+        </p:nvSpPr>
+        <p:spPr>
+          <a:xfrm>
+            <a:off x="293301" y="5073381"/>
+            <a:ext cx="3017135" cy="741872"/>
+          </a:xfrm>
+          <a:prstGeom prst="rect">
+            <a:avLst/>
+          </a:prstGeom>
+          <a:solidFill>
+            <a:schemeClr val="accent2">
+              <a:lumMod val="60000"/>
+              <a:lumOff val="40000"/>
+            </a:schemeClr>
+          </a:solidFill>
+        </p:spPr>
+        <p:style>
+          <a:lnRef idx="2">
+            <a:schemeClr val="accent1">
+              <a:shade val="15000"/>
+            </a:schemeClr>
+          </a:lnRef>
+          <a:fillRef idx="1">
+            <a:schemeClr val="accent1"/>
+          </a:fillRef>
+          <a:effectRef idx="0">
+            <a:schemeClr val="accent1"/>
+          </a:effectRef>
+          <a:fontRef idx="minor">
+            <a:schemeClr val="lt1"/>
+          </a:fontRef>
+        </p:style>
+        <p:txBody>
+          <a:bodyPr rtlCol="0" anchor="ctr"/>
+          <a:lstStyle/>
+          <a:p>
+            <a:r>
+              <a:rPr lang="en-US" dirty="0">
+                <a:solidFill>
+                  <a:schemeClr val="tx1"/>
+                </a:solidFill>
+              </a:rPr>
+              <a:t>Entities Framework</a:t>
+            </a:r>
+            <a:endParaRPr lang="en-IL" dirty="0">
+              <a:solidFill>
+                <a:schemeClr val="tx1"/>
+              </a:solidFill>
+            </a:endParaRPr>
+          </a:p>
+        </p:txBody>
+      </p:sp>
+      <p:cxnSp>
+        <p:nvCxnSpPr>
+          <p:cNvPr id="30" name="Straight Arrow Connector 29">
+            <a:extLst>
+              <a:ext uri="{FF2B5EF4-FFF2-40B4-BE49-F238E27FC236}">
+                <a16:creationId xmlns:a16="http://schemas.microsoft.com/office/drawing/2014/main" id="{71C6359E-A16B-FD47-60EE-72C13ABCF54A}"/>
+              </a:ext>
+            </a:extLst>
+          </p:cNvPr>
+          <p:cNvCxnSpPr/>
+          <p:nvPr/>
+        </p:nvCxnSpPr>
+        <p:spPr>
+          <a:xfrm>
+            <a:off x="1708032" y="3278034"/>
+            <a:ext cx="0" cy="414068"/>
+          </a:xfrm>
+          <a:prstGeom prst="straightConnector1">
+            <a:avLst/>
+          </a:prstGeom>
+          <a:ln>
+            <a:tailEnd type="triangle"/>
+          </a:ln>
+        </p:spPr>
+        <p:style>
+          <a:lnRef idx="2">
+            <a:schemeClr val="accent1"/>
+          </a:lnRef>
+          <a:fillRef idx="0">
+            <a:schemeClr val="accent1"/>
+          </a:fillRef>
+          <a:effectRef idx="1">
+            <a:schemeClr val="accent1"/>
+          </a:effectRef>
+          <a:fontRef idx="minor">
+            <a:schemeClr val="tx1"/>
+          </a:fontRef>
+        </p:style>
+      </p:cxnSp>
+      <p:cxnSp>
+        <p:nvCxnSpPr>
+          <p:cNvPr id="32" name="Straight Arrow Connector 31">
+            <a:extLst>
+              <a:ext uri="{FF2B5EF4-FFF2-40B4-BE49-F238E27FC236}">
+                <a16:creationId xmlns:a16="http://schemas.microsoft.com/office/drawing/2014/main" id="{15FBDBFC-E1AC-2BBE-9B38-F22DD28A8B17}"/>
+              </a:ext>
+            </a:extLst>
+          </p:cNvPr>
+          <p:cNvCxnSpPr/>
+          <p:nvPr/>
+        </p:nvCxnSpPr>
+        <p:spPr>
+          <a:xfrm>
+            <a:off x="1748672" y="4558102"/>
+            <a:ext cx="0" cy="453842"/>
+          </a:xfrm>
+          <a:prstGeom prst="straightConnector1">
+            <a:avLst/>
+          </a:prstGeom>
+          <a:ln>
+            <a:tailEnd type="triangle"/>
+          </a:ln>
+        </p:spPr>
+        <p:style>
+          <a:lnRef idx="2">
+            <a:schemeClr val="accent1"/>
+          </a:lnRef>
+          <a:fillRef idx="0">
+            <a:schemeClr val="accent1"/>
+          </a:fillRef>
+          <a:effectRef idx="1">
+            <a:schemeClr val="accent1"/>
+          </a:effectRef>
+          <a:fontRef idx="minor">
+            <a:schemeClr val="tx1"/>
+          </a:fontRef>
+        </p:style>
+      </p:cxnSp>
+      <p:sp>
+        <p:nvSpPr>
+          <p:cNvPr id="34" name="Rectangle 33">
+            <a:extLst>
+              <a:ext uri="{FF2B5EF4-FFF2-40B4-BE49-F238E27FC236}">
+                <a16:creationId xmlns:a16="http://schemas.microsoft.com/office/drawing/2014/main" id="{08DD6575-3BB4-F303-8FFE-970605E9EBE2}"/>
+              </a:ext>
+            </a:extLst>
+          </p:cNvPr>
+          <p:cNvSpPr/>
+          <p:nvPr/>
+        </p:nvSpPr>
+        <p:spPr>
+          <a:xfrm>
+            <a:off x="3860797" y="2524665"/>
+            <a:ext cx="1239527" cy="741872"/>
+          </a:xfrm>
+          <a:prstGeom prst="rect">
+            <a:avLst/>
+          </a:prstGeom>
+          <a:solidFill>
+            <a:schemeClr val="accent2">
+              <a:lumMod val="20000"/>
+              <a:lumOff val="80000"/>
+            </a:schemeClr>
+          </a:solidFill>
+        </p:spPr>
+        <p:style>
+          <a:lnRef idx="2">
+            <a:schemeClr val="accent1">
+              <a:shade val="15000"/>
+            </a:schemeClr>
+          </a:lnRef>
+          <a:fillRef idx="1">
+            <a:schemeClr val="accent1"/>
+          </a:fillRef>
+          <a:effectRef idx="0">
+            <a:schemeClr val="accent1"/>
+          </a:effectRef>
+          <a:fontRef idx="minor">
+            <a:schemeClr val="lt1"/>
+          </a:fontRef>
+        </p:style>
+        <p:txBody>
+          <a:bodyPr rtlCol="0" anchor="ctr"/>
+          <a:lstStyle/>
+          <a:p>
+            <a:pPr algn="ctr"/>
+            <a:r>
+              <a:rPr lang="en-US" dirty="0">
+                <a:solidFill>
+                  <a:schemeClr val="tx1"/>
+                </a:solidFill>
+              </a:rPr>
+              <a:t>Entity A + Its DAO</a:t>
+            </a:r>
+            <a:endParaRPr lang="en-IL" dirty="0">
+              <a:solidFill>
+                <a:schemeClr val="tx1"/>
+              </a:solidFill>
+            </a:endParaRPr>
+          </a:p>
+        </p:txBody>
+      </p:sp>
+      <p:sp>
+        <p:nvSpPr>
+          <p:cNvPr id="35" name="Rectangle 34">
+            <a:extLst>
+              <a:ext uri="{FF2B5EF4-FFF2-40B4-BE49-F238E27FC236}">
+                <a16:creationId xmlns:a16="http://schemas.microsoft.com/office/drawing/2014/main" id="{6AC7E754-BFDE-C11D-258E-CAECE927FDA3}"/>
+              </a:ext>
+            </a:extLst>
+          </p:cNvPr>
+          <p:cNvSpPr/>
+          <p:nvPr/>
+        </p:nvSpPr>
+        <p:spPr>
+          <a:xfrm>
+            <a:off x="3740725" y="3807597"/>
+            <a:ext cx="7490691" cy="741872"/>
+          </a:xfrm>
+          <a:prstGeom prst="rect">
+            <a:avLst/>
+          </a:prstGeom>
+          <a:solidFill>
+            <a:schemeClr val="accent2">
+              <a:lumMod val="40000"/>
+              <a:lumOff val="60000"/>
+            </a:schemeClr>
+          </a:solidFill>
+        </p:spPr>
+        <p:style>
+          <a:lnRef idx="2">
+            <a:schemeClr val="accent1">
+              <a:shade val="15000"/>
+            </a:schemeClr>
+          </a:lnRef>
+          <a:fillRef idx="1">
+            <a:schemeClr val="accent1"/>
+          </a:fillRef>
+          <a:effectRef idx="0">
+            <a:schemeClr val="accent1"/>
+          </a:effectRef>
+          <a:fontRef idx="minor">
+            <a:schemeClr val="lt1"/>
+          </a:fontRef>
+        </p:style>
+        <p:txBody>
+          <a:bodyPr rtlCol="0" anchor="ctr"/>
+          <a:lstStyle/>
+          <a:p>
+            <a:r>
+              <a:rPr lang="en-US" dirty="0">
+                <a:solidFill>
+                  <a:schemeClr val="tx1"/>
+                </a:solidFill>
+              </a:rPr>
+              <a:t>      Dao Base + App Repository</a:t>
+            </a:r>
+            <a:endParaRPr lang="en-IL" dirty="0">
+              <a:solidFill>
+                <a:schemeClr val="tx1"/>
+              </a:solidFill>
+            </a:endParaRPr>
+          </a:p>
+        </p:txBody>
+      </p:sp>
+      <p:sp>
+        <p:nvSpPr>
+          <p:cNvPr id="36" name="Rectangle 35">
+            <a:extLst>
+              <a:ext uri="{FF2B5EF4-FFF2-40B4-BE49-F238E27FC236}">
+                <a16:creationId xmlns:a16="http://schemas.microsoft.com/office/drawing/2014/main" id="{91730406-039A-CCAA-5350-EF915201930F}"/>
+              </a:ext>
+            </a:extLst>
+          </p:cNvPr>
+          <p:cNvSpPr/>
+          <p:nvPr/>
+        </p:nvSpPr>
+        <p:spPr>
+          <a:xfrm>
+            <a:off x="3740726" y="5042696"/>
+            <a:ext cx="7490691" cy="772557"/>
+          </a:xfrm>
+          <a:prstGeom prst="rect">
+            <a:avLst/>
+          </a:prstGeom>
+          <a:solidFill>
+            <a:schemeClr val="accent2">
+              <a:lumMod val="60000"/>
+              <a:lumOff val="40000"/>
+            </a:schemeClr>
+          </a:solidFill>
+        </p:spPr>
+        <p:style>
+          <a:lnRef idx="2">
+            <a:schemeClr val="accent1">
+              <a:shade val="15000"/>
+            </a:schemeClr>
+          </a:lnRef>
+          <a:fillRef idx="1">
+            <a:schemeClr val="accent1"/>
+          </a:fillRef>
+          <a:effectRef idx="0">
+            <a:schemeClr val="accent1"/>
+          </a:effectRef>
+          <a:fontRef idx="minor">
+            <a:schemeClr val="lt1"/>
+          </a:fontRef>
+        </p:style>
+        <p:txBody>
+          <a:bodyPr rtlCol="0" anchor="ctr"/>
+          <a:lstStyle/>
+          <a:p>
+            <a:r>
+              <a:rPr lang="en-US" dirty="0">
+                <a:solidFill>
+                  <a:schemeClr val="tx1"/>
+                </a:solidFill>
+              </a:rPr>
+              <a:t>                  </a:t>
+            </a:r>
+            <a:r>
+              <a:rPr lang="en-US" dirty="0" err="1">
+                <a:solidFill>
+                  <a:schemeClr val="tx1"/>
+                </a:solidFill>
+              </a:rPr>
+              <a:t>DbContext</a:t>
+            </a:r>
+            <a:endParaRPr lang="en-IL" dirty="0">
+              <a:solidFill>
+                <a:schemeClr val="tx1"/>
+              </a:solidFill>
+            </a:endParaRPr>
+          </a:p>
+        </p:txBody>
+      </p:sp>
+      <p:sp>
+        <p:nvSpPr>
+          <p:cNvPr id="40" name="Rectangle 39">
+            <a:extLst>
+              <a:ext uri="{FF2B5EF4-FFF2-40B4-BE49-F238E27FC236}">
+                <a16:creationId xmlns:a16="http://schemas.microsoft.com/office/drawing/2014/main" id="{E7F8181D-9A42-13C9-6BB6-2203A9969090}"/>
+              </a:ext>
+            </a:extLst>
+          </p:cNvPr>
+          <p:cNvSpPr/>
+          <p:nvPr/>
+        </p:nvSpPr>
+        <p:spPr>
+          <a:xfrm>
+            <a:off x="5454064" y="2538525"/>
+            <a:ext cx="1239527" cy="741872"/>
+          </a:xfrm>
+          <a:prstGeom prst="rect">
+            <a:avLst/>
+          </a:prstGeom>
+          <a:solidFill>
+            <a:schemeClr val="accent2">
+              <a:lumMod val="20000"/>
+              <a:lumOff val="80000"/>
+            </a:schemeClr>
+          </a:solidFill>
+        </p:spPr>
+        <p:style>
+          <a:lnRef idx="2">
+            <a:schemeClr val="accent1">
+              <a:shade val="15000"/>
+            </a:schemeClr>
+          </a:lnRef>
+          <a:fillRef idx="1">
+            <a:schemeClr val="accent1"/>
+          </a:fillRef>
+          <a:effectRef idx="0">
+            <a:schemeClr val="accent1"/>
+          </a:effectRef>
+          <a:fontRef idx="minor">
+            <a:schemeClr val="lt1"/>
+          </a:fontRef>
+        </p:style>
+        <p:txBody>
+          <a:bodyPr rtlCol="0" anchor="ctr"/>
+          <a:lstStyle/>
+          <a:p>
+            <a:pPr algn="ctr"/>
+            <a:r>
+              <a:rPr lang="en-US" dirty="0">
+                <a:solidFill>
+                  <a:schemeClr val="tx1"/>
+                </a:solidFill>
+              </a:rPr>
+              <a:t>Entity B + Its DAO</a:t>
+            </a:r>
+            <a:endParaRPr lang="en-IL" dirty="0">
+              <a:solidFill>
+                <a:schemeClr val="tx1"/>
+              </a:solidFill>
+            </a:endParaRPr>
+          </a:p>
+        </p:txBody>
+      </p:sp>
+      <p:cxnSp>
+        <p:nvCxnSpPr>
+          <p:cNvPr id="43" name="Straight Connector 42">
+            <a:extLst>
+              <a:ext uri="{FF2B5EF4-FFF2-40B4-BE49-F238E27FC236}">
+                <a16:creationId xmlns:a16="http://schemas.microsoft.com/office/drawing/2014/main" id="{47C67CE7-FB10-9252-EAE6-989325B93FA6}"/>
+              </a:ext>
+            </a:extLst>
+          </p:cNvPr>
+          <p:cNvCxnSpPr>
+            <a:cxnSpLocks/>
+          </p:cNvCxnSpPr>
+          <p:nvPr/>
+        </p:nvCxnSpPr>
+        <p:spPr>
+          <a:xfrm>
+            <a:off x="7198331" y="3807597"/>
+            <a:ext cx="0" cy="693788"/>
+          </a:xfrm>
+          <a:prstGeom prst="line">
+            <a:avLst/>
+          </a:prstGeom>
+          <a:ln w="19050" cap="flat" cmpd="sng" algn="ctr">
+            <a:solidFill>
+              <a:schemeClr val="dk1"/>
+            </a:solidFill>
+            <a:prstDash val="dash"/>
+            <a:round/>
+            <a:headEnd type="none" w="med" len="med"/>
+            <a:tailEnd type="none" w="med" len="med"/>
+          </a:ln>
+        </p:spPr>
+        <p:style>
+          <a:lnRef idx="0">
+            <a:scrgbClr r="0" g="0" b="0"/>
+          </a:lnRef>
+          <a:fillRef idx="0">
+            <a:scrgbClr r="0" g="0" b="0"/>
+          </a:fillRef>
+          <a:effectRef idx="0">
+            <a:scrgbClr r="0" g="0" b="0"/>
+          </a:effectRef>
+          <a:fontRef idx="minor">
+            <a:schemeClr val="tx1"/>
+          </a:fontRef>
+        </p:style>
+      </p:cxnSp>
+      <p:cxnSp>
+        <p:nvCxnSpPr>
+          <p:cNvPr id="45" name="Straight Connector 44">
+            <a:extLst>
+              <a:ext uri="{FF2B5EF4-FFF2-40B4-BE49-F238E27FC236}">
+                <a16:creationId xmlns:a16="http://schemas.microsoft.com/office/drawing/2014/main" id="{F3CC2329-C2A6-60E8-F1EC-F8C727D7FD84}"/>
+              </a:ext>
+            </a:extLst>
+          </p:cNvPr>
+          <p:cNvCxnSpPr>
+            <a:cxnSpLocks/>
+          </p:cNvCxnSpPr>
+          <p:nvPr/>
+        </p:nvCxnSpPr>
+        <p:spPr>
+          <a:xfrm>
+            <a:off x="7683238" y="3839925"/>
+            <a:ext cx="0" cy="693788"/>
+          </a:xfrm>
+          <a:prstGeom prst="line">
+            <a:avLst/>
+          </a:prstGeom>
+          <a:ln w="19050" cap="flat" cmpd="sng" algn="ctr">
+            <a:solidFill>
+              <a:schemeClr val="dk1"/>
+            </a:solidFill>
+            <a:prstDash val="dash"/>
+            <a:round/>
+            <a:headEnd type="none" w="med" len="med"/>
+            <a:tailEnd type="none" w="med" len="med"/>
+          </a:ln>
+        </p:spPr>
+        <p:style>
+          <a:lnRef idx="0">
+            <a:scrgbClr r="0" g="0" b="0"/>
+          </a:lnRef>
+          <a:fillRef idx="0">
+            <a:scrgbClr r="0" g="0" b="0"/>
+          </a:fillRef>
+          <a:effectRef idx="0">
+            <a:scrgbClr r="0" g="0" b="0"/>
+          </a:effectRef>
+          <a:fontRef idx="minor">
+            <a:schemeClr val="tx1"/>
+          </a:fontRef>
+        </p:style>
+      </p:cxnSp>
+      <p:cxnSp>
+        <p:nvCxnSpPr>
+          <p:cNvPr id="46" name="Straight Connector 45">
+            <a:extLst>
+              <a:ext uri="{FF2B5EF4-FFF2-40B4-BE49-F238E27FC236}">
+                <a16:creationId xmlns:a16="http://schemas.microsoft.com/office/drawing/2014/main" id="{74991FE8-CCE3-1A9B-7C74-ED7F65D8422C}"/>
+              </a:ext>
+            </a:extLst>
+          </p:cNvPr>
+          <p:cNvCxnSpPr>
+            <a:cxnSpLocks/>
+          </p:cNvCxnSpPr>
+          <p:nvPr/>
+        </p:nvCxnSpPr>
+        <p:spPr>
+          <a:xfrm>
+            <a:off x="7202953" y="5049884"/>
+            <a:ext cx="0" cy="693788"/>
+          </a:xfrm>
+          <a:prstGeom prst="line">
+            <a:avLst/>
+          </a:prstGeom>
+          <a:ln w="19050" cap="flat" cmpd="sng" algn="ctr">
+            <a:solidFill>
+              <a:schemeClr val="dk1"/>
+            </a:solidFill>
+            <a:prstDash val="dash"/>
+            <a:round/>
+            <a:headEnd type="none" w="med" len="med"/>
+            <a:tailEnd type="none" w="med" len="med"/>
+          </a:ln>
+        </p:spPr>
+        <p:style>
+          <a:lnRef idx="0">
+            <a:scrgbClr r="0" g="0" b="0"/>
+          </a:lnRef>
+          <a:fillRef idx="0">
+            <a:scrgbClr r="0" g="0" b="0"/>
+          </a:fillRef>
+          <a:effectRef idx="0">
+            <a:scrgbClr r="0" g="0" b="0"/>
+          </a:effectRef>
+          <a:fontRef idx="minor">
+            <a:schemeClr val="tx1"/>
+          </a:fontRef>
+        </p:style>
+      </p:cxnSp>
+      <p:cxnSp>
+        <p:nvCxnSpPr>
+          <p:cNvPr id="49" name="Straight Connector 48">
+            <a:extLst>
+              <a:ext uri="{FF2B5EF4-FFF2-40B4-BE49-F238E27FC236}">
+                <a16:creationId xmlns:a16="http://schemas.microsoft.com/office/drawing/2014/main" id="{F44D7B1E-3943-8288-8655-DE0119AFE008}"/>
+              </a:ext>
+            </a:extLst>
+          </p:cNvPr>
+          <p:cNvCxnSpPr>
+            <a:cxnSpLocks/>
+          </p:cNvCxnSpPr>
+          <p:nvPr/>
+        </p:nvCxnSpPr>
+        <p:spPr>
+          <a:xfrm>
+            <a:off x="7646288" y="5031406"/>
+            <a:ext cx="0" cy="693788"/>
+          </a:xfrm>
+          <a:prstGeom prst="line">
+            <a:avLst/>
+          </a:prstGeom>
+          <a:ln w="19050" cap="flat" cmpd="sng" algn="ctr">
+            <a:solidFill>
+              <a:schemeClr val="dk1"/>
+            </a:solidFill>
+            <a:prstDash val="dash"/>
+            <a:round/>
+            <a:headEnd type="none" w="med" len="med"/>
+            <a:tailEnd type="none" w="med" len="med"/>
+          </a:ln>
+        </p:spPr>
+        <p:style>
+          <a:lnRef idx="0">
+            <a:scrgbClr r="0" g="0" b="0"/>
+          </a:lnRef>
+          <a:fillRef idx="0">
+            <a:scrgbClr r="0" g="0" b="0"/>
+          </a:fillRef>
+          <a:effectRef idx="0">
+            <a:scrgbClr r="0" g="0" b="0"/>
+          </a:effectRef>
+          <a:fontRef idx="minor">
+            <a:schemeClr val="tx1"/>
+          </a:fontRef>
+        </p:style>
+      </p:cxnSp>
+      <p:cxnSp>
+        <p:nvCxnSpPr>
+          <p:cNvPr id="51" name="Straight Arrow Connector 50">
+            <a:extLst>
+              <a:ext uri="{FF2B5EF4-FFF2-40B4-BE49-F238E27FC236}">
+                <a16:creationId xmlns:a16="http://schemas.microsoft.com/office/drawing/2014/main" id="{08087E8D-06F5-06DD-4B64-6B4847928D96}"/>
+              </a:ext>
+            </a:extLst>
+          </p:cNvPr>
+          <p:cNvCxnSpPr/>
+          <p:nvPr/>
+        </p:nvCxnSpPr>
+        <p:spPr>
+          <a:xfrm>
+            <a:off x="4480560" y="3278034"/>
+            <a:ext cx="0" cy="529563"/>
+          </a:xfrm>
+          <a:prstGeom prst="straightConnector1">
+            <a:avLst/>
+          </a:prstGeom>
+          <a:ln>
+            <a:tailEnd type="triangle"/>
+          </a:ln>
+        </p:spPr>
+        <p:style>
+          <a:lnRef idx="2">
+            <a:schemeClr val="accent1"/>
+          </a:lnRef>
+          <a:fillRef idx="0">
+            <a:schemeClr val="accent1"/>
+          </a:fillRef>
+          <a:effectRef idx="1">
+            <a:schemeClr val="accent1"/>
+          </a:effectRef>
+          <a:fontRef idx="minor">
+            <a:schemeClr val="tx1"/>
+          </a:fontRef>
+        </p:style>
+      </p:cxnSp>
+      <p:cxnSp>
+        <p:nvCxnSpPr>
+          <p:cNvPr id="54" name="Straight Arrow Connector 53">
+            <a:extLst>
+              <a:ext uri="{FF2B5EF4-FFF2-40B4-BE49-F238E27FC236}">
+                <a16:creationId xmlns:a16="http://schemas.microsoft.com/office/drawing/2014/main" id="{B1E4EBF0-C381-3186-A639-C1CD9E020E1B}"/>
+              </a:ext>
+            </a:extLst>
+          </p:cNvPr>
+          <p:cNvCxnSpPr/>
+          <p:nvPr/>
+        </p:nvCxnSpPr>
+        <p:spPr>
+          <a:xfrm>
+            <a:off x="5981468" y="3282653"/>
+            <a:ext cx="0" cy="529563"/>
+          </a:xfrm>
+          <a:prstGeom prst="straightConnector1">
+            <a:avLst/>
+          </a:prstGeom>
+          <a:ln>
+            <a:tailEnd type="triangle"/>
+          </a:ln>
+        </p:spPr>
+        <p:style>
+          <a:lnRef idx="2">
+            <a:schemeClr val="accent1"/>
+          </a:lnRef>
+          <a:fillRef idx="0">
+            <a:schemeClr val="accent1"/>
+          </a:fillRef>
+          <a:effectRef idx="1">
+            <a:schemeClr val="accent1"/>
+          </a:effectRef>
+          <a:fontRef idx="minor">
+            <a:schemeClr val="tx1"/>
+          </a:fontRef>
+        </p:style>
+      </p:cxnSp>
+      <p:cxnSp>
+        <p:nvCxnSpPr>
+          <p:cNvPr id="60" name="Straight Arrow Connector 59">
+            <a:extLst>
+              <a:ext uri="{FF2B5EF4-FFF2-40B4-BE49-F238E27FC236}">
+                <a16:creationId xmlns:a16="http://schemas.microsoft.com/office/drawing/2014/main" id="{EA1EBC31-BFC9-58A0-EFC8-F3368B32B0AD}"/>
+              </a:ext>
+            </a:extLst>
+          </p:cNvPr>
+          <p:cNvCxnSpPr>
+            <a:cxnSpLocks/>
+          </p:cNvCxnSpPr>
+          <p:nvPr/>
+        </p:nvCxnSpPr>
+        <p:spPr>
+          <a:xfrm flipH="1">
+            <a:off x="5353395" y="4558102"/>
+            <a:ext cx="736" cy="436363"/>
+          </a:xfrm>
+          <a:prstGeom prst="straightConnector1">
+            <a:avLst/>
+          </a:prstGeom>
+          <a:ln>
+            <a:tailEnd type="triangle"/>
+          </a:ln>
+        </p:spPr>
+        <p:style>
+          <a:lnRef idx="2">
+            <a:schemeClr val="accent1"/>
+          </a:lnRef>
+          <a:fillRef idx="0">
+            <a:schemeClr val="accent1"/>
+          </a:fillRef>
+          <a:effectRef idx="1">
+            <a:schemeClr val="accent1"/>
+          </a:effectRef>
+          <a:fontRef idx="minor">
+            <a:schemeClr val="tx1"/>
+          </a:fontRef>
+        </p:style>
+      </p:cxnSp>
+      <p:sp>
+        <p:nvSpPr>
+          <p:cNvPr id="62" name="Rectangle 61">
+            <a:extLst>
+              <a:ext uri="{FF2B5EF4-FFF2-40B4-BE49-F238E27FC236}">
+                <a16:creationId xmlns:a16="http://schemas.microsoft.com/office/drawing/2014/main" id="{CCECA1B2-22B7-1171-EF51-7E9377F9AD06}"/>
+              </a:ext>
+            </a:extLst>
+          </p:cNvPr>
+          <p:cNvSpPr/>
+          <p:nvPr/>
+        </p:nvSpPr>
+        <p:spPr>
+          <a:xfrm>
+            <a:off x="8224989" y="2547761"/>
+            <a:ext cx="1239527" cy="741872"/>
+          </a:xfrm>
+          <a:prstGeom prst="rect">
+            <a:avLst/>
+          </a:prstGeom>
+          <a:solidFill>
+            <a:schemeClr val="accent2">
+              <a:lumMod val="20000"/>
+              <a:lumOff val="80000"/>
+            </a:schemeClr>
+          </a:solidFill>
+        </p:spPr>
+        <p:style>
+          <a:lnRef idx="2">
+            <a:schemeClr val="accent1">
+              <a:shade val="15000"/>
+            </a:schemeClr>
+          </a:lnRef>
+          <a:fillRef idx="1">
+            <a:schemeClr val="accent1"/>
+          </a:fillRef>
+          <a:effectRef idx="0">
+            <a:schemeClr val="accent1"/>
+          </a:effectRef>
+          <a:fontRef idx="minor">
+            <a:schemeClr val="lt1"/>
+          </a:fontRef>
+        </p:style>
+        <p:txBody>
+          <a:bodyPr rtlCol="0" anchor="ctr"/>
+          <a:lstStyle/>
+          <a:p>
+            <a:pPr algn="ctr"/>
+            <a:r>
+              <a:rPr lang="en-US" dirty="0">
+                <a:solidFill>
+                  <a:schemeClr val="tx1"/>
+                </a:solidFill>
+              </a:rPr>
+              <a:t>Entity C + Its DAO</a:t>
+            </a:r>
+            <a:endParaRPr lang="en-IL" dirty="0">
+              <a:solidFill>
+                <a:schemeClr val="tx1"/>
+              </a:solidFill>
+            </a:endParaRPr>
+          </a:p>
+        </p:txBody>
+      </p:sp>
+      <p:sp>
+        <p:nvSpPr>
+          <p:cNvPr id="63" name="Rectangle 62">
+            <a:extLst>
+              <a:ext uri="{FF2B5EF4-FFF2-40B4-BE49-F238E27FC236}">
+                <a16:creationId xmlns:a16="http://schemas.microsoft.com/office/drawing/2014/main" id="{00027294-A325-ADD7-C94F-0937B4A998F4}"/>
+              </a:ext>
+            </a:extLst>
+          </p:cNvPr>
+          <p:cNvSpPr/>
+          <p:nvPr/>
+        </p:nvSpPr>
+        <p:spPr>
+          <a:xfrm>
+            <a:off x="9818256" y="2561621"/>
+            <a:ext cx="1239527" cy="741872"/>
+          </a:xfrm>
+          <a:prstGeom prst="rect">
+            <a:avLst/>
+          </a:prstGeom>
+          <a:solidFill>
+            <a:schemeClr val="accent2">
+              <a:lumMod val="20000"/>
+              <a:lumOff val="80000"/>
+            </a:schemeClr>
+          </a:solidFill>
+        </p:spPr>
+        <p:style>
+          <a:lnRef idx="2">
+            <a:schemeClr val="accent1">
+              <a:shade val="15000"/>
+            </a:schemeClr>
+          </a:lnRef>
+          <a:fillRef idx="1">
+            <a:schemeClr val="accent1"/>
+          </a:fillRef>
+          <a:effectRef idx="0">
+            <a:schemeClr val="accent1"/>
+          </a:effectRef>
+          <a:fontRef idx="minor">
+            <a:schemeClr val="lt1"/>
+          </a:fontRef>
+        </p:style>
+        <p:txBody>
+          <a:bodyPr rtlCol="0" anchor="ctr"/>
+          <a:lstStyle/>
+          <a:p>
+            <a:pPr algn="ctr"/>
+            <a:r>
+              <a:rPr lang="en-US" dirty="0">
+                <a:solidFill>
+                  <a:schemeClr val="tx1"/>
+                </a:solidFill>
+              </a:rPr>
+              <a:t>Entity D + Its DAO</a:t>
+            </a:r>
+            <a:endParaRPr lang="en-IL" dirty="0">
+              <a:solidFill>
+                <a:schemeClr val="tx1"/>
+              </a:solidFill>
+            </a:endParaRPr>
+          </a:p>
+        </p:txBody>
+      </p:sp>
+      <p:cxnSp>
+        <p:nvCxnSpPr>
+          <p:cNvPr id="64" name="Straight Arrow Connector 63">
+            <a:extLst>
+              <a:ext uri="{FF2B5EF4-FFF2-40B4-BE49-F238E27FC236}">
+                <a16:creationId xmlns:a16="http://schemas.microsoft.com/office/drawing/2014/main" id="{15D9406C-BED6-66AF-E8A9-86509179EBBB}"/>
+              </a:ext>
+            </a:extLst>
+          </p:cNvPr>
+          <p:cNvCxnSpPr/>
+          <p:nvPr/>
+        </p:nvCxnSpPr>
+        <p:spPr>
+          <a:xfrm>
+            <a:off x="8844752" y="3301130"/>
+            <a:ext cx="0" cy="529563"/>
+          </a:xfrm>
+          <a:prstGeom prst="straightConnector1">
+            <a:avLst/>
+          </a:prstGeom>
+          <a:ln>
+            <a:tailEnd type="triangle"/>
+          </a:ln>
+        </p:spPr>
+        <p:style>
+          <a:lnRef idx="2">
+            <a:schemeClr val="accent1"/>
+          </a:lnRef>
+          <a:fillRef idx="0">
+            <a:schemeClr val="accent1"/>
+          </a:fillRef>
+          <a:effectRef idx="1">
+            <a:schemeClr val="accent1"/>
+          </a:effectRef>
+          <a:fontRef idx="minor">
+            <a:schemeClr val="tx1"/>
+          </a:fontRef>
+        </p:style>
+      </p:cxnSp>
+      <p:cxnSp>
+        <p:nvCxnSpPr>
+          <p:cNvPr id="65" name="Straight Arrow Connector 64">
+            <a:extLst>
+              <a:ext uri="{FF2B5EF4-FFF2-40B4-BE49-F238E27FC236}">
+                <a16:creationId xmlns:a16="http://schemas.microsoft.com/office/drawing/2014/main" id="{994C4503-645F-96E4-0E42-1E901B483A49}"/>
+              </a:ext>
+            </a:extLst>
+          </p:cNvPr>
+          <p:cNvCxnSpPr/>
+          <p:nvPr/>
+        </p:nvCxnSpPr>
+        <p:spPr>
+          <a:xfrm>
+            <a:off x="10345660" y="3305749"/>
+            <a:ext cx="0" cy="529563"/>
+          </a:xfrm>
+          <a:prstGeom prst="straightConnector1">
+            <a:avLst/>
+          </a:prstGeom>
+          <a:ln>
+            <a:tailEnd type="triangle"/>
+          </a:ln>
+        </p:spPr>
+        <p:style>
+          <a:lnRef idx="2">
+            <a:schemeClr val="accent1"/>
+          </a:lnRef>
+          <a:fillRef idx="0">
+            <a:schemeClr val="accent1"/>
+          </a:fillRef>
+          <a:effectRef idx="1">
+            <a:schemeClr val="accent1"/>
+          </a:effectRef>
+          <a:fontRef idx="minor">
+            <a:schemeClr val="tx1"/>
+          </a:fontRef>
+        </p:style>
+      </p:cxnSp>
+      <p:sp>
+        <p:nvSpPr>
+          <p:cNvPr id="66" name="TextBox 65">
+            <a:extLst>
+              <a:ext uri="{FF2B5EF4-FFF2-40B4-BE49-F238E27FC236}">
+                <a16:creationId xmlns:a16="http://schemas.microsoft.com/office/drawing/2014/main" id="{C3551A15-6C3C-43C5-54FA-289CD76C347D}"/>
+              </a:ext>
+            </a:extLst>
+          </p:cNvPr>
+          <p:cNvSpPr txBox="1"/>
+          <p:nvPr/>
+        </p:nvSpPr>
+        <p:spPr>
+          <a:xfrm>
+            <a:off x="4451927" y="2087422"/>
+            <a:ext cx="1713339" cy="369332"/>
+          </a:xfrm>
+          <a:prstGeom prst="rect">
+            <a:avLst/>
+          </a:prstGeom>
+          <a:noFill/>
+        </p:spPr>
+        <p:txBody>
+          <a:bodyPr wrap="square" rtlCol="0">
+            <a:spAutoFit/>
           </a:bodyPr>
           <a:lstStyle/>
           <a:p>
             <a:r>
               <a:rPr lang="en-US" dirty="0"/>
-              <a:t>Command-line tool for generating ASP.NET Core microservices</a:t>
-            </a:r>
-          </a:p>
+              <a:t>Microservice A</a:t>
+            </a:r>
+            <a:endParaRPr lang="en-IL" dirty="0"/>
+          </a:p>
+        </p:txBody>
+      </p:sp>
+      <p:sp>
+        <p:nvSpPr>
+          <p:cNvPr id="76" name="TextBox 75">
+            <a:extLst>
+              <a:ext uri="{FF2B5EF4-FFF2-40B4-BE49-F238E27FC236}">
+                <a16:creationId xmlns:a16="http://schemas.microsoft.com/office/drawing/2014/main" id="{5076EC41-FEAA-8855-418B-865F92AD8D6B}"/>
+              </a:ext>
+            </a:extLst>
+          </p:cNvPr>
+          <p:cNvSpPr txBox="1"/>
+          <p:nvPr/>
+        </p:nvSpPr>
+        <p:spPr>
+          <a:xfrm>
+            <a:off x="8562108" y="2105892"/>
+            <a:ext cx="1802024" cy="369332"/>
+          </a:xfrm>
+          <a:prstGeom prst="rect">
+            <a:avLst/>
+          </a:prstGeom>
+          <a:noFill/>
+        </p:spPr>
+        <p:txBody>
+          <a:bodyPr wrap="square" rtlCol="0">
+            <a:spAutoFit/>
+          </a:bodyPr>
+          <a:lstStyle/>
           <a:p>
             <a:r>
               <a:rPr lang="en-US" dirty="0"/>
-              <a:t>Handles scaffolding of:</a:t>
-            </a:r>
-          </a:p>
-          <a:p>
-            <a:pPr lvl="1"/>
-            <a:r>
-              <a:rPr lang="en-US" dirty="0"/>
-              <a:t>Modules</a:t>
-            </a:r>
-          </a:p>
-          <a:p>
-            <a:pPr lvl="1"/>
-            <a:r>
-              <a:rPr lang="en-US" dirty="0"/>
-              <a:t>Resources</a:t>
-            </a:r>
-          </a:p>
-          <a:p>
-            <a:pPr lvl="1"/>
-            <a:r>
-              <a:rPr lang="en-US" dirty="0"/>
-              <a:t>Entities </a:t>
-            </a:r>
-          </a:p>
-          <a:p>
-            <a:pPr lvl="1"/>
-            <a:r>
-              <a:rPr lang="en-US" dirty="0"/>
-              <a:t>DTOs</a:t>
-            </a:r>
-          </a:p>
-          <a:p>
-            <a:pPr lvl="1"/>
-            <a:r>
-              <a:rPr lang="en-US" dirty="0"/>
-              <a:t>Unit tests</a:t>
-            </a:r>
-          </a:p>
-          <a:p>
-            <a:r>
-              <a:rPr lang="en-US" dirty="0"/>
-              <a:t>Generates structured layers: controllers, services, DAOs</a:t>
-            </a:r>
+              <a:t>Microservice B</a:t>
+            </a:r>
+            <a:endParaRPr lang="en-IL" dirty="0"/>
           </a:p>
         </p:txBody>
       </p:sp>
     </p:spTree>
     <p:extLst>
       <p:ext uri="{BB962C8B-B14F-4D97-AF65-F5344CB8AC3E}">
-        <p14:creationId xmlns:p14="http://schemas.microsoft.com/office/powerpoint/2010/main" val="1594949680"/>
+        <p14:creationId xmlns:p14="http://schemas.microsoft.com/office/powerpoint/2010/main" val="72778559"/>
       </p:ext>
     </p:extLst>
   </p:cSld>
@@ -5917,7 +6994,7 @@
           <p:cNvPr id="2" name="Title 1">
             <a:extLst>
               <a:ext uri="{FF2B5EF4-FFF2-40B4-BE49-F238E27FC236}">
-                <a16:creationId xmlns:a16="http://schemas.microsoft.com/office/drawing/2014/main" id="{5D0DB60B-E9B1-E02F-C1AF-435AE33185FD}"/>
+                <a16:creationId xmlns:a16="http://schemas.microsoft.com/office/drawing/2014/main" id="{CF736F5C-7542-AA60-52D4-8B3A4C082093}"/>
               </a:ext>
             </a:extLst>
           </p:cNvPr>
@@ -5941,7 +7018,7 @@
                 <a:effectLst/>
                 <a:latin typeface="Segoe WPC"/>
               </a:rPr>
-              <a:t>NestNet.Infra</a:t>
+              <a:t>NestNet.Cli</a:t>
             </a:r>
             <a:endParaRPr lang="en-IL" dirty="0"/>
           </a:p>
@@ -5952,7 +7029,7 @@
           <p:cNvPr id="3" name="Content Placeholder 2">
             <a:extLst>
               <a:ext uri="{FF2B5EF4-FFF2-40B4-BE49-F238E27FC236}">
-                <a16:creationId xmlns:a16="http://schemas.microsoft.com/office/drawing/2014/main" id="{8D0A95D2-F31D-EE5B-EFFD-AA8C86470C9C}"/>
+                <a16:creationId xmlns:a16="http://schemas.microsoft.com/office/drawing/2014/main" id="{F8078FFC-F9FA-EF92-3671-A2D46FFF82DA}"/>
               </a:ext>
             </a:extLst>
           </p:cNvPr>
@@ -5966,143 +7043,68 @@
         <p:spPr/>
         <p:txBody>
           <a:bodyPr>
-            <a:normAutofit fontScale="85000" lnSpcReduction="20000"/>
+            <a:normAutofit/>
           </a:bodyPr>
           <a:lstStyle/>
           <a:p>
             <a:r>
               <a:rPr lang="en-US" dirty="0"/>
-              <a:t>Core infrastructure library providing base classes and common functionality</a:t>
+              <a:t>Command-line tool for generating ASP.NET Core microservices</a:t>
             </a:r>
           </a:p>
           <a:p>
             <a:r>
               <a:rPr lang="en-US" dirty="0"/>
-              <a:t>Contains base classes for:</a:t>
+              <a:t>Handles scaffolding of:</a:t>
             </a:r>
           </a:p>
           <a:p>
             <a:pPr lvl="1"/>
             <a:r>
               <a:rPr lang="en-US" dirty="0"/>
-              <a:t>CRUD operations (</a:t>
-            </a:r>
-            <a:r>
-              <a:rPr lang="en-US" dirty="0" err="1"/>
-              <a:t>CrudControllerBase</a:t>
-            </a:r>
+              <a:t>Modules</a:t>
+            </a:r>
+          </a:p>
+          <a:p>
+            <a:pPr lvl="1"/>
             <a:r>
               <a:rPr lang="en-US" dirty="0"/>
-              <a:t>, </a:t>
-            </a:r>
-            <a:r>
-              <a:rPr lang="en-US" dirty="0" err="1"/>
-              <a:t>CrudServiceBase</a:t>
-            </a:r>
+              <a:t>Resources</a:t>
+            </a:r>
+          </a:p>
+          <a:p>
+            <a:pPr lvl="1"/>
             <a:r>
               <a:rPr lang="en-US" dirty="0"/>
-              <a:t>, </a:t>
-            </a:r>
-            <a:r>
-              <a:rPr lang="en-US" dirty="0" err="1"/>
-              <a:t>DaoBase</a:t>
-            </a:r>
+              <a:t>Entities </a:t>
+            </a:r>
+          </a:p>
+          <a:p>
+            <a:pPr lvl="1"/>
             <a:r>
               <a:rPr lang="en-US" dirty="0"/>
-              <a:t>)</a:t>
+              <a:t>DTOs</a:t>
             </a:r>
           </a:p>
           <a:p>
             <a:pPr lvl="1"/>
             <a:r>
               <a:rPr lang="en-US" dirty="0"/>
-              <a:t>Entity framework integration (</a:t>
-            </a:r>
-            <a:r>
-              <a:rPr lang="en-US" dirty="0" err="1"/>
-              <a:t>ApplicationDbContextBase</a:t>
-            </a:r>
+              <a:t>Unit tests</a:t>
+            </a:r>
+          </a:p>
+          <a:p>
             <a:r>
               <a:rPr lang="en-US" dirty="0"/>
-              <a:t>, </a:t>
-            </a:r>
-            <a:r>
-              <a:rPr lang="en-US" dirty="0" err="1"/>
-              <a:t>EntityBase</a:t>
-            </a:r>
-            <a:r>
-              <a:rPr lang="en-US" dirty="0"/>
-              <a:t>)</a:t>
-            </a:r>
-          </a:p>
-          <a:p>
-            <a:r>
-              <a:rPr lang="en-US" dirty="0"/>
-              <a:t>Includes attributes for:</a:t>
-            </a:r>
-          </a:p>
-          <a:p>
-            <a:pPr lvl="1"/>
-            <a:r>
-              <a:rPr lang="en-US" dirty="0"/>
-              <a:t>Entity configuration</a:t>
-            </a:r>
-          </a:p>
-          <a:p>
-            <a:pPr lvl="1"/>
-            <a:r>
-              <a:rPr lang="en-US" dirty="0"/>
-              <a:t>Dependency injection</a:t>
-            </a:r>
-          </a:p>
-          <a:p>
-            <a:pPr lvl="1"/>
-            <a:r>
-              <a:rPr lang="en-US" dirty="0"/>
-              <a:t>Property generation</a:t>
-            </a:r>
-          </a:p>
-          <a:p>
-            <a:r>
-              <a:rPr lang="en-US" dirty="0"/>
-              <a:t>Provides helpers for:</a:t>
-            </a:r>
-          </a:p>
-          <a:p>
-            <a:pPr lvl="1"/>
-            <a:r>
-              <a:rPr lang="en-US" dirty="0"/>
-              <a:t>Database initialization</a:t>
-            </a:r>
-          </a:p>
-          <a:p>
-            <a:pPr lvl="1"/>
-            <a:r>
-              <a:rPr lang="en-US" dirty="0"/>
-              <a:t>Dependency injection</a:t>
-            </a:r>
-          </a:p>
-          <a:p>
-            <a:pPr lvl="1"/>
-            <a:r>
-              <a:rPr lang="en-US" dirty="0"/>
-              <a:t>Configuration</a:t>
-            </a:r>
-          </a:p>
-          <a:p>
-            <a:pPr lvl="1"/>
-            <a:r>
-              <a:rPr lang="en-US" dirty="0"/>
-              <a:t>Testing</a:t>
-            </a:r>
-            <a:endParaRPr lang="en-IL" dirty="0"/>
+              <a:t>Generates structured layers: controllers, services, DAOs</a:t>
+            </a:r>
           </a:p>
         </p:txBody>
       </p:sp>
     </p:spTree>
     <p:extLst>
       <p:ext uri="{BB962C8B-B14F-4D97-AF65-F5344CB8AC3E}">
-        <p14:creationId xmlns:p14="http://schemas.microsoft.com/office/powerpoint/2010/main" val="4184959350"/>
+        <p14:creationId xmlns:p14="http://schemas.microsoft.com/office/powerpoint/2010/main" val="1594949680"/>
       </p:ext>
     </p:extLst>
   </p:cSld>
@@ -6134,7 +7136,7 @@
           <p:cNvPr id="2" name="Title 1">
             <a:extLst>
               <a:ext uri="{FF2B5EF4-FFF2-40B4-BE49-F238E27FC236}">
-                <a16:creationId xmlns:a16="http://schemas.microsoft.com/office/drawing/2014/main" id="{442F08AC-9E9E-6B48-E057-CBF61751A1D0}"/>
+                <a16:creationId xmlns:a16="http://schemas.microsoft.com/office/drawing/2014/main" id="{5D0DB60B-E9B1-E02F-C1AF-435AE33185FD}"/>
               </a:ext>
             </a:extLst>
           </p:cNvPr>
@@ -6151,14 +7153,14 @@
           <a:lstStyle/>
           <a:p>
             <a:r>
-              <a:rPr lang="en-US" b="1" i="0" dirty="0">
+              <a:rPr lang="en-US" b="1" i="0" dirty="0" err="1">
                 <a:solidFill>
                   <a:srgbClr val="3B3B3B"/>
                 </a:solidFill>
                 <a:effectLst/>
                 <a:latin typeface="Segoe WPC"/>
               </a:rPr>
-              <a:t>Sample App (1)</a:t>
+              <a:t>NestNet.Infra</a:t>
             </a:r>
             <a:endParaRPr lang="en-IL" dirty="0"/>
           </a:p>
@@ -6169,7 +7171,7 @@
           <p:cNvPr id="3" name="Content Placeholder 2">
             <a:extLst>
               <a:ext uri="{FF2B5EF4-FFF2-40B4-BE49-F238E27FC236}">
-                <a16:creationId xmlns:a16="http://schemas.microsoft.com/office/drawing/2014/main" id="{92AF5546-6959-3BD8-7D8E-383F9FF7BD35}"/>
+                <a16:creationId xmlns:a16="http://schemas.microsoft.com/office/drawing/2014/main" id="{8D0A95D2-F31D-EE5B-EFFD-AA8C86470C9C}"/>
               </a:ext>
             </a:extLst>
           </p:cNvPr>
@@ -6182,60 +7184,135 @@
         </p:nvSpPr>
         <p:spPr/>
         <p:txBody>
-          <a:bodyPr/>
+          <a:bodyPr>
+            <a:normAutofit fontScale="85000" lnSpcReduction="20000"/>
+          </a:bodyPr>
           <a:lstStyle/>
           <a:p>
             <a:r>
               <a:rPr lang="en-US" dirty="0"/>
-              <a:t>Sample application demonstrating </a:t>
+              <a:t>Core infrastructure library providing base classes and common functionality</a:t>
+            </a:r>
+          </a:p>
+          <a:p>
+            <a:r>
+              <a:rPr lang="en-US" dirty="0"/>
+              <a:t>Contains base classes for:</a:t>
+            </a:r>
+          </a:p>
+          <a:p>
+            <a:pPr lvl="1"/>
+            <a:r>
+              <a:rPr lang="en-US" dirty="0"/>
+              <a:t>CRUD operations (</a:t>
             </a:r>
             <a:r>
               <a:rPr lang="en-US" dirty="0" err="1"/>
-              <a:t>NestNet</a:t>
+              <a:t>CrudControllerBase</a:t>
             </a:r>
             <a:r>
               <a:rPr lang="en-US" dirty="0"/>
-              <a:t> usage</a:t>
-            </a:r>
-          </a:p>
-          <a:p>
+              <a:t>, </a:t>
+            </a:r>
+            <a:r>
+              <a:rPr lang="en-US" dirty="0" err="1"/>
+              <a:t>CrudServiceBase</a:t>
+            </a:r>
             <a:r>
               <a:rPr lang="en-US" dirty="0"/>
-              <a:t>Shows implementation of:</a:t>
+              <a:t>, </a:t>
+            </a:r>
+            <a:r>
+              <a:rPr lang="en-US" dirty="0" err="1"/>
+              <a:t>DaoBase</a:t>
+            </a:r>
+            <a:r>
+              <a:rPr lang="en-US" dirty="0"/>
+              <a:t>)</a:t>
             </a:r>
           </a:p>
           <a:p>
             <a:pPr lvl="1"/>
             <a:r>
               <a:rPr lang="en-US" dirty="0"/>
-              <a:t>Modules with CRUD operations</a:t>
+              <a:t>Entity framework integration (</a:t>
+            </a:r>
+            <a:r>
+              <a:rPr lang="en-US" dirty="0" err="1"/>
+              <a:t>ApplicationDbContextBase</a:t>
+            </a:r>
+            <a:r>
+              <a:rPr lang="en-US" dirty="0"/>
+              <a:t>, </a:t>
+            </a:r>
+            <a:r>
+              <a:rPr lang="en-US" dirty="0" err="1"/>
+              <a:t>EntityBase</a:t>
+            </a:r>
+            <a:r>
+              <a:rPr lang="en-US" dirty="0"/>
+              <a:t>)</a:t>
+            </a:r>
+          </a:p>
+          <a:p>
+            <a:r>
+              <a:rPr lang="en-US" dirty="0"/>
+              <a:t>Includes attributes for:</a:t>
             </a:r>
           </a:p>
           <a:p>
             <a:pPr lvl="1"/>
             <a:r>
               <a:rPr lang="en-US" dirty="0"/>
-              <a:t>Custom resources</a:t>
+              <a:t>Entity configuration</a:t>
             </a:r>
           </a:p>
           <a:p>
             <a:pPr lvl="1"/>
             <a:r>
               <a:rPr lang="en-US" dirty="0"/>
-              <a:t>Database context configuration</a:t>
+              <a:t>Dependency injection</a:t>
             </a:r>
           </a:p>
           <a:p>
             <a:pPr lvl="1"/>
             <a:r>
               <a:rPr lang="en-US" dirty="0"/>
-              <a:t>Unit tests</a:t>
+              <a:t>Property generation</a:t>
             </a:r>
           </a:p>
           <a:p>
             <a:r>
               <a:rPr lang="en-US" dirty="0"/>
-              <a:t>Includes example documentation and configuration</a:t>
+              <a:t>Provides helpers for:</a:t>
+            </a:r>
+          </a:p>
+          <a:p>
+            <a:pPr lvl="1"/>
+            <a:r>
+              <a:rPr lang="en-US" dirty="0"/>
+              <a:t>Database initialization</a:t>
+            </a:r>
+          </a:p>
+          <a:p>
+            <a:pPr lvl="1"/>
+            <a:r>
+              <a:rPr lang="en-US" dirty="0"/>
+              <a:t>Dependency injection</a:t>
+            </a:r>
+          </a:p>
+          <a:p>
+            <a:pPr lvl="1"/>
+            <a:r>
+              <a:rPr lang="en-US" dirty="0"/>
+              <a:t>Configuration</a:t>
+            </a:r>
+          </a:p>
+          <a:p>
+            <a:pPr lvl="1"/>
+            <a:r>
+              <a:rPr lang="en-US" dirty="0"/>
+              <a:t>Testing</a:t>
             </a:r>
             <a:endParaRPr lang="en-IL" dirty="0"/>
           </a:p>
@@ -6244,7 +7321,7 @@
     </p:spTree>
     <p:extLst>
       <p:ext uri="{BB962C8B-B14F-4D97-AF65-F5344CB8AC3E}">
-        <p14:creationId xmlns:p14="http://schemas.microsoft.com/office/powerpoint/2010/main" val="192319155"/>
+        <p14:creationId xmlns:p14="http://schemas.microsoft.com/office/powerpoint/2010/main" val="4184959350"/>
       </p:ext>
     </p:extLst>
   </p:cSld>
@@ -6276,6 +7353,148 @@
           <p:cNvPr id="2" name="Title 1">
             <a:extLst>
               <a:ext uri="{FF2B5EF4-FFF2-40B4-BE49-F238E27FC236}">
+                <a16:creationId xmlns:a16="http://schemas.microsoft.com/office/drawing/2014/main" id="{442F08AC-9E9E-6B48-E057-CBF61751A1D0}"/>
+              </a:ext>
+            </a:extLst>
+          </p:cNvPr>
+          <p:cNvSpPr>
+            <a:spLocks noGrp="1"/>
+          </p:cNvSpPr>
+          <p:nvPr>
+            <p:ph type="title"/>
+          </p:nvPr>
+        </p:nvSpPr>
+        <p:spPr/>
+        <p:txBody>
+          <a:bodyPr/>
+          <a:lstStyle/>
+          <a:p>
+            <a:r>
+              <a:rPr lang="en-US" b="1" i="0" dirty="0">
+                <a:solidFill>
+                  <a:srgbClr val="3B3B3B"/>
+                </a:solidFill>
+                <a:effectLst/>
+                <a:latin typeface="Segoe WPC"/>
+              </a:rPr>
+              <a:t>Sample App (1)</a:t>
+            </a:r>
+            <a:endParaRPr lang="en-IL" dirty="0"/>
+          </a:p>
+        </p:txBody>
+      </p:sp>
+      <p:sp>
+        <p:nvSpPr>
+          <p:cNvPr id="3" name="Content Placeholder 2">
+            <a:extLst>
+              <a:ext uri="{FF2B5EF4-FFF2-40B4-BE49-F238E27FC236}">
+                <a16:creationId xmlns:a16="http://schemas.microsoft.com/office/drawing/2014/main" id="{92AF5546-6959-3BD8-7D8E-383F9FF7BD35}"/>
+              </a:ext>
+            </a:extLst>
+          </p:cNvPr>
+          <p:cNvSpPr>
+            <a:spLocks noGrp="1"/>
+          </p:cNvSpPr>
+          <p:nvPr>
+            <p:ph idx="1"/>
+          </p:nvPr>
+        </p:nvSpPr>
+        <p:spPr/>
+        <p:txBody>
+          <a:bodyPr/>
+          <a:lstStyle/>
+          <a:p>
+            <a:r>
+              <a:rPr lang="en-US" dirty="0"/>
+              <a:t>Sample application demonstrating </a:t>
+            </a:r>
+            <a:r>
+              <a:rPr lang="en-US" dirty="0" err="1"/>
+              <a:t>NestNet</a:t>
+            </a:r>
+            <a:r>
+              <a:rPr lang="en-US" dirty="0"/>
+              <a:t> usage</a:t>
+            </a:r>
+          </a:p>
+          <a:p>
+            <a:r>
+              <a:rPr lang="en-US" dirty="0"/>
+              <a:t>Shows implementation of:</a:t>
+            </a:r>
+          </a:p>
+          <a:p>
+            <a:pPr lvl="1"/>
+            <a:r>
+              <a:rPr lang="en-US" dirty="0"/>
+              <a:t>Modules with CRUD operations</a:t>
+            </a:r>
+          </a:p>
+          <a:p>
+            <a:pPr lvl="1"/>
+            <a:r>
+              <a:rPr lang="en-US" dirty="0"/>
+              <a:t>Custom resources</a:t>
+            </a:r>
+          </a:p>
+          <a:p>
+            <a:pPr lvl="1"/>
+            <a:r>
+              <a:rPr lang="en-US" dirty="0"/>
+              <a:t>Database context configuration</a:t>
+            </a:r>
+          </a:p>
+          <a:p>
+            <a:pPr lvl="1"/>
+            <a:r>
+              <a:rPr lang="en-US" dirty="0"/>
+              <a:t>Unit tests</a:t>
+            </a:r>
+          </a:p>
+          <a:p>
+            <a:r>
+              <a:rPr lang="en-US" dirty="0"/>
+              <a:t>Includes example documentation and configuration</a:t>
+            </a:r>
+            <a:endParaRPr lang="en-IL" dirty="0"/>
+          </a:p>
+        </p:txBody>
+      </p:sp>
+    </p:spTree>
+    <p:extLst>
+      <p:ext uri="{BB962C8B-B14F-4D97-AF65-F5344CB8AC3E}">
+        <p14:creationId xmlns:p14="http://schemas.microsoft.com/office/powerpoint/2010/main" val="192319155"/>
+      </p:ext>
+    </p:extLst>
+  </p:cSld>
+  <p:clrMapOvr>
+    <a:masterClrMapping/>
+  </p:clrMapOvr>
+</p:sld>
+</file>
+
+<file path=ppt/slides/slide8.xml><?xml version="1.0" encoding="utf-8"?>
+<p:sld xmlns:a="http://schemas.openxmlformats.org/drawingml/2006/main" xmlns:r="http://schemas.openxmlformats.org/officeDocument/2006/relationships" xmlns:p="http://schemas.openxmlformats.org/presentationml/2006/main">
+  <p:cSld>
+    <p:spTree>
+      <p:nvGrpSpPr>
+        <p:cNvPr id="1" name=""/>
+        <p:cNvGrpSpPr/>
+        <p:nvPr/>
+      </p:nvGrpSpPr>
+      <p:grpSpPr>
+        <a:xfrm>
+          <a:off x="0" y="0"/>
+          <a:ext cx="0" cy="0"/>
+          <a:chOff x="0" y="0"/>
+          <a:chExt cx="0" cy="0"/>
+        </a:xfrm>
+      </p:grpSpPr>
+      <p:sp>
+        <p:nvSpPr>
+          <p:cNvPr id="2" name="Title 1">
+            <a:extLst>
+              <a:ext uri="{FF2B5EF4-FFF2-40B4-BE49-F238E27FC236}">
                 <a16:creationId xmlns:a16="http://schemas.microsoft.com/office/drawing/2014/main" id="{3131711A-3D9A-DBE0-B734-5FEB5BF6EFE2}"/>
               </a:ext>
             </a:extLst>
@@ -6421,7 +7640,7 @@
 </p:sld>
 </file>
 
-<file path=ppt/slides/slide8.xml><?xml version="1.0" encoding="utf-8"?>
+<file path=ppt/slides/slide9.xml><?xml version="1.0" encoding="utf-8"?>
 <p:sld xmlns:a="http://schemas.openxmlformats.org/drawingml/2006/main" xmlns:r="http://schemas.openxmlformats.org/officeDocument/2006/relationships" xmlns:p="http://schemas.openxmlformats.org/presentationml/2006/main">
   <p:cSld>
     <p:spTree>

--- a/NestNet.pptx
+++ b/NestNet.pptx
@@ -4,6 +4,9 @@
   <p:sldMasterIdLst>
     <p:sldMasterId id="2147483648" r:id="rId1"/>
   </p:sldMasterIdLst>
+  <p:notesMasterIdLst>
+    <p:notesMasterId r:id="rId11"/>
+  </p:notesMasterIdLst>
   <p:sldIdLst>
     <p:sldId id="256" r:id="rId2"/>
     <p:sldId id="275" r:id="rId3"/>
@@ -120,6 +123,440 @@
 </p:presentation>
 </file>
 
+<file path=ppt/notesMasters/notesMaster1.xml><?xml version="1.0" encoding="utf-8"?>
+<p:notesMaster xmlns:a="http://schemas.openxmlformats.org/drawingml/2006/main" xmlns:r="http://schemas.openxmlformats.org/officeDocument/2006/relationships" xmlns:p="http://schemas.openxmlformats.org/presentationml/2006/main">
+  <p:cSld>
+    <p:bg>
+      <p:bgRef idx="1001">
+        <a:schemeClr val="bg1"/>
+      </p:bgRef>
+    </p:bg>
+    <p:spTree>
+      <p:nvGrpSpPr>
+        <p:cNvPr id="1" name=""/>
+        <p:cNvGrpSpPr/>
+        <p:nvPr/>
+      </p:nvGrpSpPr>
+      <p:grpSpPr>
+        <a:xfrm>
+          <a:off x="0" y="0"/>
+          <a:ext cx="0" cy="0"/>
+          <a:chOff x="0" y="0"/>
+          <a:chExt cx="0" cy="0"/>
+        </a:xfrm>
+      </p:grpSpPr>
+      <p:sp>
+        <p:nvSpPr>
+          <p:cNvPr id="2" name="Header Placeholder 1"/>
+          <p:cNvSpPr>
+            <a:spLocks noGrp="1"/>
+          </p:cNvSpPr>
+          <p:nvPr>
+            <p:ph type="hdr" sz="quarter"/>
+          </p:nvPr>
+        </p:nvSpPr>
+        <p:spPr>
+          <a:xfrm>
+            <a:off x="0" y="0"/>
+            <a:ext cx="2971800" cy="458788"/>
+          </a:xfrm>
+          <a:prstGeom prst="rect">
+            <a:avLst/>
+          </a:prstGeom>
+        </p:spPr>
+        <p:txBody>
+          <a:bodyPr vert="horz" lIns="91440" tIns="45720" rIns="91440" bIns="45720" rtlCol="0"/>
+          <a:lstStyle>
+            <a:lvl1pPr algn="l">
+              <a:defRPr sz="1200"/>
+            </a:lvl1pPr>
+          </a:lstStyle>
+          <a:p>
+            <a:endParaRPr lang="en-IL"/>
+          </a:p>
+        </p:txBody>
+      </p:sp>
+      <p:sp>
+        <p:nvSpPr>
+          <p:cNvPr id="3" name="Date Placeholder 2"/>
+          <p:cNvSpPr>
+            <a:spLocks noGrp="1"/>
+          </p:cNvSpPr>
+          <p:nvPr>
+            <p:ph type="dt" idx="1"/>
+          </p:nvPr>
+        </p:nvSpPr>
+        <p:spPr>
+          <a:xfrm>
+            <a:off x="3884613" y="0"/>
+            <a:ext cx="2971800" cy="458788"/>
+          </a:xfrm>
+          <a:prstGeom prst="rect">
+            <a:avLst/>
+          </a:prstGeom>
+        </p:spPr>
+        <p:txBody>
+          <a:bodyPr vert="horz" lIns="91440" tIns="45720" rIns="91440" bIns="45720" rtlCol="0"/>
+          <a:lstStyle>
+            <a:lvl1pPr algn="r">
+              <a:defRPr sz="1200"/>
+            </a:lvl1pPr>
+          </a:lstStyle>
+          <a:p>
+            <a:fld id="{B1B9B2B4-CBA2-4BF1-990E-1B657F3667D7}" type="datetimeFigureOut">
+              <a:rPr lang="en-IL" smtClean="0"/>
+              <a:t>17/02/2025</a:t>
+            </a:fld>
+            <a:endParaRPr lang="en-IL"/>
+          </a:p>
+        </p:txBody>
+      </p:sp>
+      <p:sp>
+        <p:nvSpPr>
+          <p:cNvPr id="4" name="Slide Image Placeholder 3"/>
+          <p:cNvSpPr>
+            <a:spLocks noGrp="1" noRot="1" noChangeAspect="1"/>
+          </p:cNvSpPr>
+          <p:nvPr>
+            <p:ph type="sldImg" idx="2"/>
+          </p:nvPr>
+        </p:nvSpPr>
+        <p:spPr>
+          <a:xfrm>
+            <a:off x="685800" y="1143000"/>
+            <a:ext cx="5486400" cy="3086100"/>
+          </a:xfrm>
+          <a:prstGeom prst="rect">
+            <a:avLst/>
+          </a:prstGeom>
+          <a:noFill/>
+          <a:ln w="12700">
+            <a:solidFill>
+              <a:prstClr val="black"/>
+            </a:solidFill>
+          </a:ln>
+        </p:spPr>
+        <p:txBody>
+          <a:bodyPr vert="horz" lIns="91440" tIns="45720" rIns="91440" bIns="45720" rtlCol="0" anchor="ctr"/>
+          <a:lstStyle/>
+          <a:p>
+            <a:endParaRPr lang="en-IL"/>
+          </a:p>
+        </p:txBody>
+      </p:sp>
+      <p:sp>
+        <p:nvSpPr>
+          <p:cNvPr id="5" name="Notes Placeholder 4"/>
+          <p:cNvSpPr>
+            <a:spLocks noGrp="1"/>
+          </p:cNvSpPr>
+          <p:nvPr>
+            <p:ph type="body" sz="quarter" idx="3"/>
+          </p:nvPr>
+        </p:nvSpPr>
+        <p:spPr>
+          <a:xfrm>
+            <a:off x="685800" y="4400550"/>
+            <a:ext cx="5486400" cy="3600450"/>
+          </a:xfrm>
+          <a:prstGeom prst="rect">
+            <a:avLst/>
+          </a:prstGeom>
+        </p:spPr>
+        <p:txBody>
+          <a:bodyPr vert="horz" lIns="91440" tIns="45720" rIns="91440" bIns="45720" rtlCol="0"/>
+          <a:lstStyle/>
+          <a:p>
+            <a:pPr lvl="0"/>
+            <a:r>
+              <a:rPr lang="en-US"/>
+              <a:t>Click to edit Master text styles</a:t>
+            </a:r>
+          </a:p>
+          <a:p>
+            <a:pPr lvl="1"/>
+            <a:r>
+              <a:rPr lang="en-US"/>
+              <a:t>Second level</a:t>
+            </a:r>
+          </a:p>
+          <a:p>
+            <a:pPr lvl="2"/>
+            <a:r>
+              <a:rPr lang="en-US"/>
+              <a:t>Third level</a:t>
+            </a:r>
+          </a:p>
+          <a:p>
+            <a:pPr lvl="3"/>
+            <a:r>
+              <a:rPr lang="en-US"/>
+              <a:t>Fourth level</a:t>
+            </a:r>
+          </a:p>
+          <a:p>
+            <a:pPr lvl="4"/>
+            <a:r>
+              <a:rPr lang="en-US"/>
+              <a:t>Fifth level</a:t>
+            </a:r>
+            <a:endParaRPr lang="en-IL"/>
+          </a:p>
+        </p:txBody>
+      </p:sp>
+      <p:sp>
+        <p:nvSpPr>
+          <p:cNvPr id="6" name="Footer Placeholder 5"/>
+          <p:cNvSpPr>
+            <a:spLocks noGrp="1"/>
+          </p:cNvSpPr>
+          <p:nvPr>
+            <p:ph type="ftr" sz="quarter" idx="4"/>
+          </p:nvPr>
+        </p:nvSpPr>
+        <p:spPr>
+          <a:xfrm>
+            <a:off x="0" y="8685213"/>
+            <a:ext cx="2971800" cy="458787"/>
+          </a:xfrm>
+          <a:prstGeom prst="rect">
+            <a:avLst/>
+          </a:prstGeom>
+        </p:spPr>
+        <p:txBody>
+          <a:bodyPr vert="horz" lIns="91440" tIns="45720" rIns="91440" bIns="45720" rtlCol="0" anchor="b"/>
+          <a:lstStyle>
+            <a:lvl1pPr algn="l">
+              <a:defRPr sz="1200"/>
+            </a:lvl1pPr>
+          </a:lstStyle>
+          <a:p>
+            <a:endParaRPr lang="en-IL"/>
+          </a:p>
+        </p:txBody>
+      </p:sp>
+      <p:sp>
+        <p:nvSpPr>
+          <p:cNvPr id="7" name="Slide Number Placeholder 6"/>
+          <p:cNvSpPr>
+            <a:spLocks noGrp="1"/>
+          </p:cNvSpPr>
+          <p:nvPr>
+            <p:ph type="sldNum" sz="quarter" idx="5"/>
+          </p:nvPr>
+        </p:nvSpPr>
+        <p:spPr>
+          <a:xfrm>
+            <a:off x="3884613" y="8685213"/>
+            <a:ext cx="2971800" cy="458787"/>
+          </a:xfrm>
+          <a:prstGeom prst="rect">
+            <a:avLst/>
+          </a:prstGeom>
+        </p:spPr>
+        <p:txBody>
+          <a:bodyPr vert="horz" lIns="91440" tIns="45720" rIns="91440" bIns="45720" rtlCol="0" anchor="b"/>
+          <a:lstStyle>
+            <a:lvl1pPr algn="r">
+              <a:defRPr sz="1200"/>
+            </a:lvl1pPr>
+          </a:lstStyle>
+          <a:p>
+            <a:fld id="{42A918C3-689B-416A-804D-58B34CCEC8DA}" type="slidenum">
+              <a:rPr lang="en-IL" smtClean="0"/>
+              <a:t>‹#›</a:t>
+            </a:fld>
+            <a:endParaRPr lang="en-IL"/>
+          </a:p>
+        </p:txBody>
+      </p:sp>
+    </p:spTree>
+    <p:extLst>
+      <p:ext uri="{BB962C8B-B14F-4D97-AF65-F5344CB8AC3E}">
+        <p14:creationId xmlns:p14="http://schemas.microsoft.com/office/powerpoint/2010/main" val="1690345847"/>
+      </p:ext>
+    </p:extLst>
+  </p:cSld>
+  <p:clrMap bg1="lt1" tx1="dk1" bg2="lt2" tx2="dk2" accent1="accent1" accent2="accent2" accent3="accent3" accent4="accent4" accent5="accent5" accent6="accent6" hlink="hlink" folHlink="folHlink"/>
+  <p:notesStyle>
+    <a:lvl1pPr marL="0" algn="l" defTabSz="914400" rtl="0" eaLnBrk="1" latinLnBrk="0" hangingPunct="1">
+      <a:defRPr sz="1200" kern="1200">
+        <a:solidFill>
+          <a:schemeClr val="tx1"/>
+        </a:solidFill>
+        <a:latin typeface="+mn-lt"/>
+        <a:ea typeface="+mn-ea"/>
+        <a:cs typeface="+mn-cs"/>
+      </a:defRPr>
+    </a:lvl1pPr>
+    <a:lvl2pPr marL="457200" algn="l" defTabSz="914400" rtl="0" eaLnBrk="1" latinLnBrk="0" hangingPunct="1">
+      <a:defRPr sz="1200" kern="1200">
+        <a:solidFill>
+          <a:schemeClr val="tx1"/>
+        </a:solidFill>
+        <a:latin typeface="+mn-lt"/>
+        <a:ea typeface="+mn-ea"/>
+        <a:cs typeface="+mn-cs"/>
+      </a:defRPr>
+    </a:lvl2pPr>
+    <a:lvl3pPr marL="914400" algn="l" defTabSz="914400" rtl="0" eaLnBrk="1" latinLnBrk="0" hangingPunct="1">
+      <a:defRPr sz="1200" kern="1200">
+        <a:solidFill>
+          <a:schemeClr val="tx1"/>
+        </a:solidFill>
+        <a:latin typeface="+mn-lt"/>
+        <a:ea typeface="+mn-ea"/>
+        <a:cs typeface="+mn-cs"/>
+      </a:defRPr>
+    </a:lvl3pPr>
+    <a:lvl4pPr marL="1371600" algn="l" defTabSz="914400" rtl="0" eaLnBrk="1" latinLnBrk="0" hangingPunct="1">
+      <a:defRPr sz="1200" kern="1200">
+        <a:solidFill>
+          <a:schemeClr val="tx1"/>
+        </a:solidFill>
+        <a:latin typeface="+mn-lt"/>
+        <a:ea typeface="+mn-ea"/>
+        <a:cs typeface="+mn-cs"/>
+      </a:defRPr>
+    </a:lvl4pPr>
+    <a:lvl5pPr marL="1828800" algn="l" defTabSz="914400" rtl="0" eaLnBrk="1" latinLnBrk="0" hangingPunct="1">
+      <a:defRPr sz="1200" kern="1200">
+        <a:solidFill>
+          <a:schemeClr val="tx1"/>
+        </a:solidFill>
+        <a:latin typeface="+mn-lt"/>
+        <a:ea typeface="+mn-ea"/>
+        <a:cs typeface="+mn-cs"/>
+      </a:defRPr>
+    </a:lvl5pPr>
+    <a:lvl6pPr marL="2286000" algn="l" defTabSz="914400" rtl="0" eaLnBrk="1" latinLnBrk="0" hangingPunct="1">
+      <a:defRPr sz="1200" kern="1200">
+        <a:solidFill>
+          <a:schemeClr val="tx1"/>
+        </a:solidFill>
+        <a:latin typeface="+mn-lt"/>
+        <a:ea typeface="+mn-ea"/>
+        <a:cs typeface="+mn-cs"/>
+      </a:defRPr>
+    </a:lvl6pPr>
+    <a:lvl7pPr marL="2743200" algn="l" defTabSz="914400" rtl="0" eaLnBrk="1" latinLnBrk="0" hangingPunct="1">
+      <a:defRPr sz="1200" kern="1200">
+        <a:solidFill>
+          <a:schemeClr val="tx1"/>
+        </a:solidFill>
+        <a:latin typeface="+mn-lt"/>
+        <a:ea typeface="+mn-ea"/>
+        <a:cs typeface="+mn-cs"/>
+      </a:defRPr>
+    </a:lvl7pPr>
+    <a:lvl8pPr marL="3200400" algn="l" defTabSz="914400" rtl="0" eaLnBrk="1" latinLnBrk="0" hangingPunct="1">
+      <a:defRPr sz="1200" kern="1200">
+        <a:solidFill>
+          <a:schemeClr val="tx1"/>
+        </a:solidFill>
+        <a:latin typeface="+mn-lt"/>
+        <a:ea typeface="+mn-ea"/>
+        <a:cs typeface="+mn-cs"/>
+      </a:defRPr>
+    </a:lvl8pPr>
+    <a:lvl9pPr marL="3657600" algn="l" defTabSz="914400" rtl="0" eaLnBrk="1" latinLnBrk="0" hangingPunct="1">
+      <a:defRPr sz="1200" kern="1200">
+        <a:solidFill>
+          <a:schemeClr val="tx1"/>
+        </a:solidFill>
+        <a:latin typeface="+mn-lt"/>
+        <a:ea typeface="+mn-ea"/>
+        <a:cs typeface="+mn-cs"/>
+      </a:defRPr>
+    </a:lvl9pPr>
+  </p:notesStyle>
+</p:notesMaster>
+</file>
+
+<file path=ppt/notesSlides/notesSlide1.xml><?xml version="1.0" encoding="utf-8"?>
+<p:notes xmlns:a="http://schemas.openxmlformats.org/drawingml/2006/main" xmlns:r="http://schemas.openxmlformats.org/officeDocument/2006/relationships" xmlns:p="http://schemas.openxmlformats.org/presentationml/2006/main">
+  <p:cSld>
+    <p:spTree>
+      <p:nvGrpSpPr>
+        <p:cNvPr id="1" name=""/>
+        <p:cNvGrpSpPr/>
+        <p:nvPr/>
+      </p:nvGrpSpPr>
+      <p:grpSpPr>
+        <a:xfrm>
+          <a:off x="0" y="0"/>
+          <a:ext cx="0" cy="0"/>
+          <a:chOff x="0" y="0"/>
+          <a:chExt cx="0" cy="0"/>
+        </a:xfrm>
+      </p:grpSpPr>
+      <p:sp>
+        <p:nvSpPr>
+          <p:cNvPr id="2" name="Slide Image Placeholder 1"/>
+          <p:cNvSpPr>
+            <a:spLocks noGrp="1" noRot="1" noChangeAspect="1"/>
+          </p:cNvSpPr>
+          <p:nvPr>
+            <p:ph type="sldImg"/>
+          </p:nvPr>
+        </p:nvSpPr>
+        <p:spPr/>
+      </p:sp>
+      <p:sp>
+        <p:nvSpPr>
+          <p:cNvPr id="3" name="Notes Placeholder 2"/>
+          <p:cNvSpPr>
+            <a:spLocks noGrp="1"/>
+          </p:cNvSpPr>
+          <p:nvPr>
+            <p:ph type="body" idx="1"/>
+          </p:nvPr>
+        </p:nvSpPr>
+        <p:spPr/>
+        <p:txBody>
+          <a:bodyPr/>
+          <a:lstStyle/>
+          <a:p>
+            <a:endParaRPr lang="en-IL"/>
+          </a:p>
+        </p:txBody>
+      </p:sp>
+      <p:sp>
+        <p:nvSpPr>
+          <p:cNvPr id="4" name="Slide Number Placeholder 3"/>
+          <p:cNvSpPr>
+            <a:spLocks noGrp="1"/>
+          </p:cNvSpPr>
+          <p:nvPr>
+            <p:ph type="sldNum" sz="quarter" idx="5"/>
+          </p:nvPr>
+        </p:nvSpPr>
+        <p:spPr/>
+        <p:txBody>
+          <a:bodyPr/>
+          <a:lstStyle/>
+          <a:p>
+            <a:fld id="{42A918C3-689B-416A-804D-58B34CCEC8DA}" type="slidenum">
+              <a:rPr lang="en-IL" smtClean="0"/>
+              <a:t>4</a:t>
+            </a:fld>
+            <a:endParaRPr lang="en-IL"/>
+          </a:p>
+        </p:txBody>
+      </p:sp>
+    </p:spTree>
+    <p:extLst>
+      <p:ext uri="{BB962C8B-B14F-4D97-AF65-F5344CB8AC3E}">
+        <p14:creationId xmlns:p14="http://schemas.microsoft.com/office/powerpoint/2010/main" val="3654483464"/>
+      </p:ext>
+    </p:extLst>
+  </p:cSld>
+  <p:clrMapOvr>
+    <a:masterClrMapping/>
+  </p:clrMapOvr>
+</p:notes>
+</file>
+
 <file path=ppt/slideLayouts/slideLayout1.xml><?xml version="1.0" encoding="utf-8"?>
 <p:sldLayout xmlns:a="http://schemas.openxmlformats.org/drawingml/2006/main" xmlns:r="http://schemas.openxmlformats.org/officeDocument/2006/relationships" xmlns:p="http://schemas.openxmlformats.org/presentationml/2006/main" type="title" preserve="1">
   <p:cSld name="Title Slide">
@@ -269,7 +706,7 @@
           <a:p>
             <a:fld id="{9E14FA7F-4ABB-408A-AF0C-ED7DC017B082}" type="datetimeFigureOut">
               <a:rPr lang="en-IL" smtClean="0"/>
-              <a:t>16/02/2025</a:t>
+              <a:t>17/02/2025</a:t>
             </a:fld>
             <a:endParaRPr lang="en-IL"/>
           </a:p>
@@ -469,7 +906,7 @@
           <a:p>
             <a:fld id="{9E14FA7F-4ABB-408A-AF0C-ED7DC017B082}" type="datetimeFigureOut">
               <a:rPr lang="en-IL" smtClean="0"/>
-              <a:t>16/02/2025</a:t>
+              <a:t>17/02/2025</a:t>
             </a:fld>
             <a:endParaRPr lang="en-IL"/>
           </a:p>
@@ -679,7 +1116,7 @@
           <a:p>
             <a:fld id="{9E14FA7F-4ABB-408A-AF0C-ED7DC017B082}" type="datetimeFigureOut">
               <a:rPr lang="en-IL" smtClean="0"/>
-              <a:t>16/02/2025</a:t>
+              <a:t>17/02/2025</a:t>
             </a:fld>
             <a:endParaRPr lang="en-IL"/>
           </a:p>
@@ -879,7 +1316,7 @@
           <a:p>
             <a:fld id="{9E14FA7F-4ABB-408A-AF0C-ED7DC017B082}" type="datetimeFigureOut">
               <a:rPr lang="en-IL" smtClean="0"/>
-              <a:t>16/02/2025</a:t>
+              <a:t>17/02/2025</a:t>
             </a:fld>
             <a:endParaRPr lang="en-IL"/>
           </a:p>
@@ -1155,7 +1592,7 @@
           <a:p>
             <a:fld id="{9E14FA7F-4ABB-408A-AF0C-ED7DC017B082}" type="datetimeFigureOut">
               <a:rPr lang="en-IL" smtClean="0"/>
-              <a:t>16/02/2025</a:t>
+              <a:t>17/02/2025</a:t>
             </a:fld>
             <a:endParaRPr lang="en-IL"/>
           </a:p>
@@ -1423,7 +1860,7 @@
           <a:p>
             <a:fld id="{9E14FA7F-4ABB-408A-AF0C-ED7DC017B082}" type="datetimeFigureOut">
               <a:rPr lang="en-IL" smtClean="0"/>
-              <a:t>16/02/2025</a:t>
+              <a:t>17/02/2025</a:t>
             </a:fld>
             <a:endParaRPr lang="en-IL"/>
           </a:p>
@@ -1838,7 +2275,7 @@
           <a:p>
             <a:fld id="{9E14FA7F-4ABB-408A-AF0C-ED7DC017B082}" type="datetimeFigureOut">
               <a:rPr lang="en-IL" smtClean="0"/>
-              <a:t>16/02/2025</a:t>
+              <a:t>17/02/2025</a:t>
             </a:fld>
             <a:endParaRPr lang="en-IL"/>
           </a:p>
@@ -1980,7 +2417,7 @@
           <a:p>
             <a:fld id="{9E14FA7F-4ABB-408A-AF0C-ED7DC017B082}" type="datetimeFigureOut">
               <a:rPr lang="en-IL" smtClean="0"/>
-              <a:t>16/02/2025</a:t>
+              <a:t>17/02/2025</a:t>
             </a:fld>
             <a:endParaRPr lang="en-IL"/>
           </a:p>
@@ -2093,7 +2530,7 @@
           <a:p>
             <a:fld id="{9E14FA7F-4ABB-408A-AF0C-ED7DC017B082}" type="datetimeFigureOut">
               <a:rPr lang="en-IL" smtClean="0"/>
-              <a:t>16/02/2025</a:t>
+              <a:t>17/02/2025</a:t>
             </a:fld>
             <a:endParaRPr lang="en-IL"/>
           </a:p>
@@ -2406,7 +2843,7 @@
           <a:p>
             <a:fld id="{9E14FA7F-4ABB-408A-AF0C-ED7DC017B082}" type="datetimeFigureOut">
               <a:rPr lang="en-IL" smtClean="0"/>
-              <a:t>16/02/2025</a:t>
+              <a:t>17/02/2025</a:t>
             </a:fld>
             <a:endParaRPr lang="en-IL"/>
           </a:p>
@@ -2695,7 +3132,7 @@
           <a:p>
             <a:fld id="{9E14FA7F-4ABB-408A-AF0C-ED7DC017B082}" type="datetimeFigureOut">
               <a:rPr lang="en-IL" smtClean="0"/>
-              <a:t>16/02/2025</a:t>
+              <a:t>17/02/2025</a:t>
             </a:fld>
             <a:endParaRPr lang="en-IL"/>
           </a:p>
@@ -2938,7 +3375,7 @@
           <a:p>
             <a:fld id="{9E14FA7F-4ABB-408A-AF0C-ED7DC017B082}" type="datetimeFigureOut">
               <a:rPr lang="en-IL" smtClean="0"/>
-              <a:t>16/02/2025</a:t>
+              <a:t>17/02/2025</a:t>
             </a:fld>
             <a:endParaRPr lang="en-IL"/>
           </a:p>
@@ -5778,7 +6215,7 @@
           </p:nvPr>
         </p:nvPicPr>
         <p:blipFill>
-          <a:blip r:embed="rId2"/>
+          <a:blip r:embed="rId3"/>
           <a:stretch>
             <a:fillRect/>
           </a:stretch>
@@ -6484,7 +6921,7 @@
         </p:nvCxnSpPr>
         <p:spPr>
           <a:xfrm>
-            <a:off x="7202953" y="5049884"/>
+            <a:off x="7184847" y="5067990"/>
             <a:ext cx="0" cy="693788"/>
           </a:xfrm>
           <a:prstGeom prst="line">
@@ -6531,7 +6968,7 @@
         </p:nvCxnSpPr>
         <p:spPr>
           <a:xfrm>
-            <a:off x="7646288" y="5031406"/>
+            <a:off x="7673447" y="5049512"/>
             <a:ext cx="0" cy="693788"/>
           </a:xfrm>
           <a:prstGeom prst="line">
@@ -8096,4 +8533,319 @@
     </a:ext>
   </a:extLst>
 </a:theme>
+</file>
+
+<file path=ppt/theme/theme2.xml><?xml version="1.0" encoding="utf-8"?>
+<a:theme xmlns:a="http://schemas.openxmlformats.org/drawingml/2006/main" name="Office Theme">
+  <a:themeElements>
+    <a:clrScheme name="Office">
+      <a:dk1>
+        <a:sysClr val="windowText" lastClr="000000"/>
+      </a:dk1>
+      <a:lt1>
+        <a:sysClr val="window" lastClr="FFFFFF"/>
+      </a:lt1>
+      <a:dk2>
+        <a:srgbClr val="0E2841"/>
+      </a:dk2>
+      <a:lt2>
+        <a:srgbClr val="E8E8E8"/>
+      </a:lt2>
+      <a:accent1>
+        <a:srgbClr val="156082"/>
+      </a:accent1>
+      <a:accent2>
+        <a:srgbClr val="E97132"/>
+      </a:accent2>
+      <a:accent3>
+        <a:srgbClr val="196B24"/>
+      </a:accent3>
+      <a:accent4>
+        <a:srgbClr val="0F9ED5"/>
+      </a:accent4>
+      <a:accent5>
+        <a:srgbClr val="A02B93"/>
+      </a:accent5>
+      <a:accent6>
+        <a:srgbClr val="4EA72E"/>
+      </a:accent6>
+      <a:hlink>
+        <a:srgbClr val="467886"/>
+      </a:hlink>
+      <a:folHlink>
+        <a:srgbClr val="96607D"/>
+      </a:folHlink>
+    </a:clrScheme>
+    <a:fontScheme name="Office">
+      <a:majorFont>
+        <a:latin typeface="Aptos Display" panose="02110004020202020204"/>
+        <a:ea typeface=""/>
+        <a:cs typeface=""/>
+        <a:font script="Jpan" typeface="游ゴシック Light"/>
+        <a:font script="Hang" typeface="맑은 고딕"/>
+        <a:font script="Hans" typeface="等线 Light"/>
+        <a:font script="Hant" typeface="新細明體"/>
+        <a:font script="Arab" typeface="Times New Roman"/>
+        <a:font script="Hebr" typeface="Times New Roman"/>
+        <a:font script="Thai" typeface="Angsana New"/>
+        <a:font script="Ethi" typeface="Nyala"/>
+        <a:font script="Beng" typeface="Vrinda"/>
+        <a:font script="Gujr" typeface="Shruti"/>
+        <a:font script="Khmr" typeface="MoolBoran"/>
+        <a:font script="Knda" typeface="Tunga"/>
+        <a:font script="Guru" typeface="Raavi"/>
+        <a:font script="Cans" typeface="Euphemia"/>
+        <a:font script="Cher" typeface="Plantagenet Cherokee"/>
+        <a:font script="Yiii" typeface="Microsoft Yi Baiti"/>
+        <a:font script="Tibt" typeface="Microsoft Himalaya"/>
+        <a:font script="Thaa" typeface="MV Boli"/>
+        <a:font script="Deva" typeface="Mangal"/>
+        <a:font script="Telu" typeface="Gautami"/>
+        <a:font script="Taml" typeface="Latha"/>
+        <a:font script="Syrc" typeface="Estrangelo Edessa"/>
+        <a:font script="Orya" typeface="Kalinga"/>
+        <a:font script="Mlym" typeface="Kartika"/>
+        <a:font script="Laoo" typeface="DokChampa"/>
+        <a:font script="Sinh" typeface="Iskoola Pota"/>
+        <a:font script="Mong" typeface="Mongolian Baiti"/>
+        <a:font script="Viet" typeface="Times New Roman"/>
+        <a:font script="Uigh" typeface="Microsoft Uighur"/>
+        <a:font script="Geor" typeface="Sylfaen"/>
+        <a:font script="Armn" typeface="Arial"/>
+        <a:font script="Bugi" typeface="Leelawadee UI"/>
+        <a:font script="Bopo" typeface="Microsoft JhengHei"/>
+        <a:font script="Java" typeface="Javanese Text"/>
+        <a:font script="Lisu" typeface="Segoe UI"/>
+        <a:font script="Mymr" typeface="Myanmar Text"/>
+        <a:font script="Nkoo" typeface="Ebrima"/>
+        <a:font script="Olck" typeface="Nirmala UI"/>
+        <a:font script="Osma" typeface="Ebrima"/>
+        <a:font script="Phag" typeface="Phagspa"/>
+        <a:font script="Syrn" typeface="Estrangelo Edessa"/>
+        <a:font script="Syrj" typeface="Estrangelo Edessa"/>
+        <a:font script="Syre" typeface="Estrangelo Edessa"/>
+        <a:font script="Sora" typeface="Nirmala UI"/>
+        <a:font script="Tale" typeface="Microsoft Tai Le"/>
+        <a:font script="Talu" typeface="Microsoft New Tai Lue"/>
+        <a:font script="Tfng" typeface="Ebrima"/>
+      </a:majorFont>
+      <a:minorFont>
+        <a:latin typeface="Aptos" panose="02110004020202020204"/>
+        <a:ea typeface=""/>
+        <a:cs typeface=""/>
+        <a:font script="Jpan" typeface="游ゴシック"/>
+        <a:font script="Hang" typeface="맑은 고딕"/>
+        <a:font script="Hans" typeface="等线"/>
+        <a:font script="Hant" typeface="新細明體"/>
+        <a:font script="Arab" typeface="Arial"/>
+        <a:font script="Hebr" typeface="Arial"/>
+        <a:font script="Thai" typeface="Cordia New"/>
+        <a:font script="Ethi" typeface="Nyala"/>
+        <a:font script="Beng" typeface="Vrinda"/>
+        <a:font script="Gujr" typeface="Shruti"/>
+        <a:font script="Khmr" typeface="DaunPenh"/>
+        <a:font script="Knda" typeface="Tunga"/>
+        <a:font script="Guru" typeface="Raavi"/>
+        <a:font script="Cans" typeface="Euphemia"/>
+        <a:font script="Cher" typeface="Plantagenet Cherokee"/>
+        <a:font script="Yiii" typeface="Microsoft Yi Baiti"/>
+        <a:font script="Tibt" typeface="Microsoft Himalaya"/>
+        <a:font script="Thaa" typeface="MV Boli"/>
+        <a:font script="Deva" typeface="Mangal"/>
+        <a:font script="Telu" typeface="Gautami"/>
+        <a:font script="Taml" typeface="Latha"/>
+        <a:font script="Syrc" typeface="Estrangelo Edessa"/>
+        <a:font script="Orya" typeface="Kalinga"/>
+        <a:font script="Mlym" typeface="Kartika"/>
+        <a:font script="Laoo" typeface="DokChampa"/>
+        <a:font script="Sinh" typeface="Iskoola Pota"/>
+        <a:font script="Mong" typeface="Mongolian Baiti"/>
+        <a:font script="Viet" typeface="Arial"/>
+        <a:font script="Uigh" typeface="Microsoft Uighur"/>
+        <a:font script="Geor" typeface="Sylfaen"/>
+        <a:font script="Armn" typeface="Arial"/>
+        <a:font script="Bugi" typeface="Leelawadee UI"/>
+        <a:font script="Bopo" typeface="Microsoft JhengHei"/>
+        <a:font script="Java" typeface="Javanese Text"/>
+        <a:font script="Lisu" typeface="Segoe UI"/>
+        <a:font script="Mymr" typeface="Myanmar Text"/>
+        <a:font script="Nkoo" typeface="Ebrima"/>
+        <a:font script="Olck" typeface="Nirmala UI"/>
+        <a:font script="Osma" typeface="Ebrima"/>
+        <a:font script="Phag" typeface="Phagspa"/>
+        <a:font script="Syrn" typeface="Estrangelo Edessa"/>
+        <a:font script="Syrj" typeface="Estrangelo Edessa"/>
+        <a:font script="Syre" typeface="Estrangelo Edessa"/>
+        <a:font script="Sora" typeface="Nirmala UI"/>
+        <a:font script="Tale" typeface="Microsoft Tai Le"/>
+        <a:font script="Talu" typeface="Microsoft New Tai Lue"/>
+        <a:font script="Tfng" typeface="Ebrima"/>
+      </a:minorFont>
+    </a:fontScheme>
+    <a:fmtScheme name="Office">
+      <a:fillStyleLst>
+        <a:solidFill>
+          <a:schemeClr val="phClr"/>
+        </a:solidFill>
+        <a:gradFill rotWithShape="1">
+          <a:gsLst>
+            <a:gs pos="0">
+              <a:schemeClr val="phClr">
+                <a:lumMod val="110000"/>
+                <a:satMod val="105000"/>
+                <a:tint val="67000"/>
+              </a:schemeClr>
+            </a:gs>
+            <a:gs pos="50000">
+              <a:schemeClr val="phClr">
+                <a:lumMod val="105000"/>
+                <a:satMod val="103000"/>
+                <a:tint val="73000"/>
+              </a:schemeClr>
+            </a:gs>
+            <a:gs pos="100000">
+              <a:schemeClr val="phClr">
+                <a:lumMod val="105000"/>
+                <a:satMod val="109000"/>
+                <a:tint val="81000"/>
+              </a:schemeClr>
+            </a:gs>
+          </a:gsLst>
+          <a:lin ang="5400000" scaled="0"/>
+        </a:gradFill>
+        <a:gradFill rotWithShape="1">
+          <a:gsLst>
+            <a:gs pos="0">
+              <a:schemeClr val="phClr">
+                <a:satMod val="103000"/>
+                <a:lumMod val="102000"/>
+                <a:tint val="94000"/>
+              </a:schemeClr>
+            </a:gs>
+            <a:gs pos="50000">
+              <a:schemeClr val="phClr">
+                <a:satMod val="110000"/>
+                <a:lumMod val="100000"/>
+                <a:shade val="100000"/>
+              </a:schemeClr>
+            </a:gs>
+            <a:gs pos="100000">
+              <a:schemeClr val="phClr">
+                <a:lumMod val="99000"/>
+                <a:satMod val="120000"/>
+                <a:shade val="78000"/>
+              </a:schemeClr>
+            </a:gs>
+          </a:gsLst>
+          <a:lin ang="5400000" scaled="0"/>
+        </a:gradFill>
+      </a:fillStyleLst>
+      <a:lnStyleLst>
+        <a:ln w="12700" cap="flat" cmpd="sng" algn="ctr">
+          <a:solidFill>
+            <a:schemeClr val="phClr"/>
+          </a:solidFill>
+          <a:prstDash val="solid"/>
+          <a:miter lim="800000"/>
+        </a:ln>
+        <a:ln w="19050" cap="flat" cmpd="sng" algn="ctr">
+          <a:solidFill>
+            <a:schemeClr val="phClr"/>
+          </a:solidFill>
+          <a:prstDash val="solid"/>
+          <a:miter lim="800000"/>
+        </a:ln>
+        <a:ln w="25400" cap="flat" cmpd="sng" algn="ctr">
+          <a:solidFill>
+            <a:schemeClr val="phClr"/>
+          </a:solidFill>
+          <a:prstDash val="solid"/>
+          <a:miter lim="800000"/>
+        </a:ln>
+      </a:lnStyleLst>
+      <a:effectStyleLst>
+        <a:effectStyle>
+          <a:effectLst/>
+        </a:effectStyle>
+        <a:effectStyle>
+          <a:effectLst/>
+        </a:effectStyle>
+        <a:effectStyle>
+          <a:effectLst>
+            <a:outerShdw blurRad="57150" dist="19050" dir="5400000" algn="ctr" rotWithShape="0">
+              <a:srgbClr val="000000">
+                <a:alpha val="63000"/>
+              </a:srgbClr>
+            </a:outerShdw>
+          </a:effectLst>
+        </a:effectStyle>
+      </a:effectStyleLst>
+      <a:bgFillStyleLst>
+        <a:solidFill>
+          <a:schemeClr val="phClr"/>
+        </a:solidFill>
+        <a:solidFill>
+          <a:schemeClr val="phClr">
+            <a:tint val="95000"/>
+            <a:satMod val="170000"/>
+          </a:schemeClr>
+        </a:solidFill>
+        <a:gradFill rotWithShape="1">
+          <a:gsLst>
+            <a:gs pos="0">
+              <a:schemeClr val="phClr">
+                <a:tint val="93000"/>
+                <a:satMod val="150000"/>
+                <a:shade val="98000"/>
+                <a:lumMod val="102000"/>
+              </a:schemeClr>
+            </a:gs>
+            <a:gs pos="50000">
+              <a:schemeClr val="phClr">
+                <a:tint val="98000"/>
+                <a:satMod val="130000"/>
+                <a:shade val="90000"/>
+                <a:lumMod val="103000"/>
+              </a:schemeClr>
+            </a:gs>
+            <a:gs pos="100000">
+              <a:schemeClr val="phClr">
+                <a:shade val="63000"/>
+                <a:satMod val="120000"/>
+              </a:schemeClr>
+            </a:gs>
+          </a:gsLst>
+          <a:lin ang="5400000" scaled="0"/>
+        </a:gradFill>
+      </a:bgFillStyleLst>
+    </a:fmtScheme>
+  </a:themeElements>
+  <a:objectDefaults>
+    <a:lnDef>
+      <a:spPr/>
+      <a:bodyPr/>
+      <a:lstStyle/>
+      <a:style>
+        <a:lnRef idx="2">
+          <a:schemeClr val="accent1"/>
+        </a:lnRef>
+        <a:fillRef idx="0">
+          <a:schemeClr val="accent1"/>
+        </a:fillRef>
+        <a:effectRef idx="1">
+          <a:schemeClr val="accent1"/>
+        </a:effectRef>
+        <a:fontRef idx="minor">
+          <a:schemeClr val="tx1"/>
+        </a:fontRef>
+      </a:style>
+    </a:lnDef>
+  </a:objectDefaults>
+  <a:extraClrSchemeLst/>
+  <a:extLst>
+    <a:ext uri="{05A4C25C-085E-4340-85A3-A5531E510DB2}">
+      <thm15:themeFamily xmlns:thm15="http://schemas.microsoft.com/office/thememl/2012/main" name="Office Theme" id="{2E142A2C-CD16-42D6-873A-C26D2A0506FA}" vid="{1BDDFF52-6CD6-40A5-AB3C-68EB2F1E4D0A}"/>
+    </a:ext>
+  </a:extLst>
+</a:theme>
 </file>